--- a/doc/SingleSlide/singleSlide.pptx
+++ b/doc/SingleSlide/singleSlide.pptx
@@ -4,8 +4,11 @@
   <p:sldMasterIdLst>
     <p:sldMasterId id="2147483648" r:id="rId1"/>
   </p:sldMasterIdLst>
+  <p:notesMasterIdLst>
+    <p:notesMasterId r:id="rId3"/>
+  </p:notesMasterIdLst>
   <p:sldIdLst>
-    <p:sldId id="257" r:id="rId2"/>
+    <p:sldId id="258" r:id="rId2"/>
   </p:sldIdLst>
   <p:sldSz cx="9144000" cy="6858000" type="screen4x3"/>
   <p:notesSz cx="6858000" cy="9144000"/>
@@ -107,6 +110,440 @@
 </p:presentation>
 </file>
 
+<file path=ppt/notesMasters/notesMaster1.xml><?xml version="1.0" encoding="utf-8"?>
+<p:notesMaster xmlns:a="http://schemas.openxmlformats.org/drawingml/2006/main" xmlns:r="http://schemas.openxmlformats.org/officeDocument/2006/relationships" xmlns:p="http://schemas.openxmlformats.org/presentationml/2006/main">
+  <p:cSld>
+    <p:bg>
+      <p:bgRef idx="1001">
+        <a:schemeClr val="bg1"/>
+      </p:bgRef>
+    </p:bg>
+    <p:spTree>
+      <p:nvGrpSpPr>
+        <p:cNvPr id="1" name=""/>
+        <p:cNvGrpSpPr/>
+        <p:nvPr/>
+      </p:nvGrpSpPr>
+      <p:grpSpPr>
+        <a:xfrm>
+          <a:off x="0" y="0"/>
+          <a:ext cx="0" cy="0"/>
+          <a:chOff x="0" y="0"/>
+          <a:chExt cx="0" cy="0"/>
+        </a:xfrm>
+      </p:grpSpPr>
+      <p:sp>
+        <p:nvSpPr>
+          <p:cNvPr id="2" name="Segnaposto intestazione 1"/>
+          <p:cNvSpPr>
+            <a:spLocks noGrp="1"/>
+          </p:cNvSpPr>
+          <p:nvPr>
+            <p:ph type="hdr" sz="quarter"/>
+          </p:nvPr>
+        </p:nvSpPr>
+        <p:spPr>
+          <a:xfrm>
+            <a:off x="0" y="0"/>
+            <a:ext cx="2971800" cy="457200"/>
+          </a:xfrm>
+          <a:prstGeom prst="rect">
+            <a:avLst/>
+          </a:prstGeom>
+        </p:spPr>
+        <p:txBody>
+          <a:bodyPr vert="horz" lIns="91440" tIns="45720" rIns="91440" bIns="45720" rtlCol="0"/>
+          <a:lstStyle>
+            <a:lvl1pPr algn="l">
+              <a:defRPr sz="1200"/>
+            </a:lvl1pPr>
+          </a:lstStyle>
+          <a:p>
+            <a:endParaRPr lang="it-IT"/>
+          </a:p>
+        </p:txBody>
+      </p:sp>
+      <p:sp>
+        <p:nvSpPr>
+          <p:cNvPr id="3" name="Segnaposto data 2"/>
+          <p:cNvSpPr>
+            <a:spLocks noGrp="1"/>
+          </p:cNvSpPr>
+          <p:nvPr>
+            <p:ph type="dt" idx="1"/>
+          </p:nvPr>
+        </p:nvSpPr>
+        <p:spPr>
+          <a:xfrm>
+            <a:off x="3884613" y="0"/>
+            <a:ext cx="2971800" cy="457200"/>
+          </a:xfrm>
+          <a:prstGeom prst="rect">
+            <a:avLst/>
+          </a:prstGeom>
+        </p:spPr>
+        <p:txBody>
+          <a:bodyPr vert="horz" lIns="91440" tIns="45720" rIns="91440" bIns="45720" rtlCol="0"/>
+          <a:lstStyle>
+            <a:lvl1pPr algn="r">
+              <a:defRPr sz="1200"/>
+            </a:lvl1pPr>
+          </a:lstStyle>
+          <a:p>
+            <a:fld id="{F6EBCB7C-E5A9-4998-A589-EC95213B8355}" type="datetimeFigureOut">
+              <a:rPr lang="it-IT" smtClean="0"/>
+              <a:t>09/04/2014</a:t>
+            </a:fld>
+            <a:endParaRPr lang="it-IT"/>
+          </a:p>
+        </p:txBody>
+      </p:sp>
+      <p:sp>
+        <p:nvSpPr>
+          <p:cNvPr id="4" name="Segnaposto immagine diapositiva 3"/>
+          <p:cNvSpPr>
+            <a:spLocks noGrp="1" noRot="1" noChangeAspect="1"/>
+          </p:cNvSpPr>
+          <p:nvPr>
+            <p:ph type="sldImg" idx="2"/>
+          </p:nvPr>
+        </p:nvSpPr>
+        <p:spPr>
+          <a:xfrm>
+            <a:off x="1143000" y="685800"/>
+            <a:ext cx="4572000" cy="3429000"/>
+          </a:xfrm>
+          <a:prstGeom prst="rect">
+            <a:avLst/>
+          </a:prstGeom>
+          <a:noFill/>
+          <a:ln w="12700">
+            <a:solidFill>
+              <a:prstClr val="black"/>
+            </a:solidFill>
+          </a:ln>
+        </p:spPr>
+        <p:txBody>
+          <a:bodyPr vert="horz" lIns="91440" tIns="45720" rIns="91440" bIns="45720" rtlCol="0" anchor="ctr"/>
+          <a:lstStyle/>
+          <a:p>
+            <a:endParaRPr lang="it-IT"/>
+          </a:p>
+        </p:txBody>
+      </p:sp>
+      <p:sp>
+        <p:nvSpPr>
+          <p:cNvPr id="5" name="Segnaposto note 4"/>
+          <p:cNvSpPr>
+            <a:spLocks noGrp="1"/>
+          </p:cNvSpPr>
+          <p:nvPr>
+            <p:ph type="body" sz="quarter" idx="3"/>
+          </p:nvPr>
+        </p:nvSpPr>
+        <p:spPr>
+          <a:xfrm>
+            <a:off x="685800" y="4343400"/>
+            <a:ext cx="5486400" cy="4114800"/>
+          </a:xfrm>
+          <a:prstGeom prst="rect">
+            <a:avLst/>
+          </a:prstGeom>
+        </p:spPr>
+        <p:txBody>
+          <a:bodyPr vert="horz" lIns="91440" tIns="45720" rIns="91440" bIns="45720" rtlCol="0"/>
+          <a:lstStyle/>
+          <a:p>
+            <a:pPr lvl="0"/>
+            <a:r>
+              <a:rPr lang="it-IT" smtClean="0"/>
+              <a:t>Fare clic per modificare stili del testo dello schema</a:t>
+            </a:r>
+          </a:p>
+          <a:p>
+            <a:pPr lvl="1"/>
+            <a:r>
+              <a:rPr lang="it-IT" smtClean="0"/>
+              <a:t>Secondo livello</a:t>
+            </a:r>
+          </a:p>
+          <a:p>
+            <a:pPr lvl="2"/>
+            <a:r>
+              <a:rPr lang="it-IT" smtClean="0"/>
+              <a:t>Terzo livello</a:t>
+            </a:r>
+          </a:p>
+          <a:p>
+            <a:pPr lvl="3"/>
+            <a:r>
+              <a:rPr lang="it-IT" smtClean="0"/>
+              <a:t>Quarto livello</a:t>
+            </a:r>
+          </a:p>
+          <a:p>
+            <a:pPr lvl="4"/>
+            <a:r>
+              <a:rPr lang="it-IT" smtClean="0"/>
+              <a:t>Quinto livello</a:t>
+            </a:r>
+            <a:endParaRPr lang="it-IT"/>
+          </a:p>
+        </p:txBody>
+      </p:sp>
+      <p:sp>
+        <p:nvSpPr>
+          <p:cNvPr id="6" name="Segnaposto piè di pagina 5"/>
+          <p:cNvSpPr>
+            <a:spLocks noGrp="1"/>
+          </p:cNvSpPr>
+          <p:nvPr>
+            <p:ph type="ftr" sz="quarter" idx="4"/>
+          </p:nvPr>
+        </p:nvSpPr>
+        <p:spPr>
+          <a:xfrm>
+            <a:off x="0" y="8685213"/>
+            <a:ext cx="2971800" cy="457200"/>
+          </a:xfrm>
+          <a:prstGeom prst="rect">
+            <a:avLst/>
+          </a:prstGeom>
+        </p:spPr>
+        <p:txBody>
+          <a:bodyPr vert="horz" lIns="91440" tIns="45720" rIns="91440" bIns="45720" rtlCol="0" anchor="b"/>
+          <a:lstStyle>
+            <a:lvl1pPr algn="l">
+              <a:defRPr sz="1200"/>
+            </a:lvl1pPr>
+          </a:lstStyle>
+          <a:p>
+            <a:endParaRPr lang="it-IT"/>
+          </a:p>
+        </p:txBody>
+      </p:sp>
+      <p:sp>
+        <p:nvSpPr>
+          <p:cNvPr id="7" name="Segnaposto numero diapositiva 6"/>
+          <p:cNvSpPr>
+            <a:spLocks noGrp="1"/>
+          </p:cNvSpPr>
+          <p:nvPr>
+            <p:ph type="sldNum" sz="quarter" idx="5"/>
+          </p:nvPr>
+        </p:nvSpPr>
+        <p:spPr>
+          <a:xfrm>
+            <a:off x="3884613" y="8685213"/>
+            <a:ext cx="2971800" cy="457200"/>
+          </a:xfrm>
+          <a:prstGeom prst="rect">
+            <a:avLst/>
+          </a:prstGeom>
+        </p:spPr>
+        <p:txBody>
+          <a:bodyPr vert="horz" lIns="91440" tIns="45720" rIns="91440" bIns="45720" rtlCol="0" anchor="b"/>
+          <a:lstStyle>
+            <a:lvl1pPr algn="r">
+              <a:defRPr sz="1200"/>
+            </a:lvl1pPr>
+          </a:lstStyle>
+          <a:p>
+            <a:fld id="{4DC2E9EE-70EB-4125-97A0-04284EFEB55E}" type="slidenum">
+              <a:rPr lang="it-IT" smtClean="0"/>
+              <a:t>‹N›</a:t>
+            </a:fld>
+            <a:endParaRPr lang="it-IT"/>
+          </a:p>
+        </p:txBody>
+      </p:sp>
+    </p:spTree>
+    <p:extLst>
+      <p:ext uri="{BB962C8B-B14F-4D97-AF65-F5344CB8AC3E}">
+        <p14:creationId xmlns:p14="http://schemas.microsoft.com/office/powerpoint/2010/main" val="2323398980"/>
+      </p:ext>
+    </p:extLst>
+  </p:cSld>
+  <p:clrMap bg1="lt1" tx1="dk1" bg2="lt2" tx2="dk2" accent1="accent1" accent2="accent2" accent3="accent3" accent4="accent4" accent5="accent5" accent6="accent6" hlink="hlink" folHlink="folHlink"/>
+  <p:notesStyle>
+    <a:lvl1pPr marL="0" algn="l" defTabSz="914400" rtl="0" eaLnBrk="1" latinLnBrk="0" hangingPunct="1">
+      <a:defRPr sz="1200" kern="1200">
+        <a:solidFill>
+          <a:schemeClr val="tx1"/>
+        </a:solidFill>
+        <a:latin typeface="+mn-lt"/>
+        <a:ea typeface="+mn-ea"/>
+        <a:cs typeface="+mn-cs"/>
+      </a:defRPr>
+    </a:lvl1pPr>
+    <a:lvl2pPr marL="457200" algn="l" defTabSz="914400" rtl="0" eaLnBrk="1" latinLnBrk="0" hangingPunct="1">
+      <a:defRPr sz="1200" kern="1200">
+        <a:solidFill>
+          <a:schemeClr val="tx1"/>
+        </a:solidFill>
+        <a:latin typeface="+mn-lt"/>
+        <a:ea typeface="+mn-ea"/>
+        <a:cs typeface="+mn-cs"/>
+      </a:defRPr>
+    </a:lvl2pPr>
+    <a:lvl3pPr marL="914400" algn="l" defTabSz="914400" rtl="0" eaLnBrk="1" latinLnBrk="0" hangingPunct="1">
+      <a:defRPr sz="1200" kern="1200">
+        <a:solidFill>
+          <a:schemeClr val="tx1"/>
+        </a:solidFill>
+        <a:latin typeface="+mn-lt"/>
+        <a:ea typeface="+mn-ea"/>
+        <a:cs typeface="+mn-cs"/>
+      </a:defRPr>
+    </a:lvl3pPr>
+    <a:lvl4pPr marL="1371600" algn="l" defTabSz="914400" rtl="0" eaLnBrk="1" latinLnBrk="0" hangingPunct="1">
+      <a:defRPr sz="1200" kern="1200">
+        <a:solidFill>
+          <a:schemeClr val="tx1"/>
+        </a:solidFill>
+        <a:latin typeface="+mn-lt"/>
+        <a:ea typeface="+mn-ea"/>
+        <a:cs typeface="+mn-cs"/>
+      </a:defRPr>
+    </a:lvl4pPr>
+    <a:lvl5pPr marL="1828800" algn="l" defTabSz="914400" rtl="0" eaLnBrk="1" latinLnBrk="0" hangingPunct="1">
+      <a:defRPr sz="1200" kern="1200">
+        <a:solidFill>
+          <a:schemeClr val="tx1"/>
+        </a:solidFill>
+        <a:latin typeface="+mn-lt"/>
+        <a:ea typeface="+mn-ea"/>
+        <a:cs typeface="+mn-cs"/>
+      </a:defRPr>
+    </a:lvl5pPr>
+    <a:lvl6pPr marL="2286000" algn="l" defTabSz="914400" rtl="0" eaLnBrk="1" latinLnBrk="0" hangingPunct="1">
+      <a:defRPr sz="1200" kern="1200">
+        <a:solidFill>
+          <a:schemeClr val="tx1"/>
+        </a:solidFill>
+        <a:latin typeface="+mn-lt"/>
+        <a:ea typeface="+mn-ea"/>
+        <a:cs typeface="+mn-cs"/>
+      </a:defRPr>
+    </a:lvl6pPr>
+    <a:lvl7pPr marL="2743200" algn="l" defTabSz="914400" rtl="0" eaLnBrk="1" latinLnBrk="0" hangingPunct="1">
+      <a:defRPr sz="1200" kern="1200">
+        <a:solidFill>
+          <a:schemeClr val="tx1"/>
+        </a:solidFill>
+        <a:latin typeface="+mn-lt"/>
+        <a:ea typeface="+mn-ea"/>
+        <a:cs typeface="+mn-cs"/>
+      </a:defRPr>
+    </a:lvl7pPr>
+    <a:lvl8pPr marL="3200400" algn="l" defTabSz="914400" rtl="0" eaLnBrk="1" latinLnBrk="0" hangingPunct="1">
+      <a:defRPr sz="1200" kern="1200">
+        <a:solidFill>
+          <a:schemeClr val="tx1"/>
+        </a:solidFill>
+        <a:latin typeface="+mn-lt"/>
+        <a:ea typeface="+mn-ea"/>
+        <a:cs typeface="+mn-cs"/>
+      </a:defRPr>
+    </a:lvl8pPr>
+    <a:lvl9pPr marL="3657600" algn="l" defTabSz="914400" rtl="0" eaLnBrk="1" latinLnBrk="0" hangingPunct="1">
+      <a:defRPr sz="1200" kern="1200">
+        <a:solidFill>
+          <a:schemeClr val="tx1"/>
+        </a:solidFill>
+        <a:latin typeface="+mn-lt"/>
+        <a:ea typeface="+mn-ea"/>
+        <a:cs typeface="+mn-cs"/>
+      </a:defRPr>
+    </a:lvl9pPr>
+  </p:notesStyle>
+</p:notesMaster>
+</file>
+
+<file path=ppt/notesSlides/notesSlide1.xml><?xml version="1.0" encoding="utf-8"?>
+<p:notes xmlns:a="http://schemas.openxmlformats.org/drawingml/2006/main" xmlns:r="http://schemas.openxmlformats.org/officeDocument/2006/relationships" xmlns:p="http://schemas.openxmlformats.org/presentationml/2006/main">
+  <p:cSld>
+    <p:spTree>
+      <p:nvGrpSpPr>
+        <p:cNvPr id="1" name=""/>
+        <p:cNvGrpSpPr/>
+        <p:nvPr/>
+      </p:nvGrpSpPr>
+      <p:grpSpPr>
+        <a:xfrm>
+          <a:off x="0" y="0"/>
+          <a:ext cx="0" cy="0"/>
+          <a:chOff x="0" y="0"/>
+          <a:chExt cx="0" cy="0"/>
+        </a:xfrm>
+      </p:grpSpPr>
+      <p:sp>
+        <p:nvSpPr>
+          <p:cNvPr id="2" name="Segnaposto immagine diapositiva 1"/>
+          <p:cNvSpPr>
+            <a:spLocks noGrp="1" noRot="1" noChangeAspect="1"/>
+          </p:cNvSpPr>
+          <p:nvPr>
+            <p:ph type="sldImg"/>
+          </p:nvPr>
+        </p:nvSpPr>
+        <p:spPr/>
+      </p:sp>
+      <p:sp>
+        <p:nvSpPr>
+          <p:cNvPr id="3" name="Segnaposto note 2"/>
+          <p:cNvSpPr>
+            <a:spLocks noGrp="1"/>
+          </p:cNvSpPr>
+          <p:nvPr>
+            <p:ph type="body" idx="1"/>
+          </p:nvPr>
+        </p:nvSpPr>
+        <p:spPr/>
+        <p:txBody>
+          <a:bodyPr/>
+          <a:lstStyle/>
+          <a:p>
+            <a:endParaRPr lang="it-IT" dirty="0"/>
+          </a:p>
+        </p:txBody>
+      </p:sp>
+      <p:sp>
+        <p:nvSpPr>
+          <p:cNvPr id="4" name="Segnaposto numero diapositiva 3"/>
+          <p:cNvSpPr>
+            <a:spLocks noGrp="1"/>
+          </p:cNvSpPr>
+          <p:nvPr>
+            <p:ph type="sldNum" sz="quarter" idx="10"/>
+          </p:nvPr>
+        </p:nvSpPr>
+        <p:spPr/>
+        <p:txBody>
+          <a:bodyPr/>
+          <a:lstStyle/>
+          <a:p>
+            <a:fld id="{4DC2E9EE-70EB-4125-97A0-04284EFEB55E}" type="slidenum">
+              <a:rPr lang="it-IT" smtClean="0"/>
+              <a:t>1</a:t>
+            </a:fld>
+            <a:endParaRPr lang="it-IT"/>
+          </a:p>
+        </p:txBody>
+      </p:sp>
+    </p:spTree>
+    <p:extLst>
+      <p:ext uri="{BB962C8B-B14F-4D97-AF65-F5344CB8AC3E}">
+        <p14:creationId xmlns:p14="http://schemas.microsoft.com/office/powerpoint/2010/main" val="1807193598"/>
+      </p:ext>
+    </p:extLst>
+  </p:cSld>
+  <p:clrMapOvr>
+    <a:masterClrMapping/>
+  </p:clrMapOvr>
+</p:notes>
+</file>
+
 <file path=ppt/slideLayouts/slideLayout1.xml><?xml version="1.0" encoding="utf-8"?>
 <p:sldLayout xmlns:a="http://schemas.openxmlformats.org/drawingml/2006/main" xmlns:r="http://schemas.openxmlformats.org/officeDocument/2006/relationships" xmlns:p="http://schemas.openxmlformats.org/presentationml/2006/main" type="title" preserve="1">
   <p:cSld name="Diapositiva titolo">
@@ -288,7 +725,7 @@
           <a:p>
             <a:fld id="{F3BB6EA2-B085-5C44-98FF-4089F390D846}" type="datetimeFigureOut">
               <a:rPr lang="it-IT" smtClean="0"/>
-              <a:t>02/04/14</a:t>
+              <a:t>09/04/2014</a:t>
             </a:fld>
             <a:endParaRPr lang="it-IT"/>
           </a:p>
@@ -330,7 +767,7 @@
           <a:p>
             <a:fld id="{73EEE35A-8BBF-7E45-9B50-4A275ACC89A3}" type="slidenum">
               <a:rPr lang="it-IT" smtClean="0"/>
-              <a:t>‹n.›</a:t>
+              <a:t>‹N›</a:t>
             </a:fld>
             <a:endParaRPr lang="it-IT"/>
           </a:p>
@@ -458,7 +895,7 @@
           <a:p>
             <a:fld id="{F3BB6EA2-B085-5C44-98FF-4089F390D846}" type="datetimeFigureOut">
               <a:rPr lang="it-IT" smtClean="0"/>
-              <a:t>02/04/14</a:t>
+              <a:t>09/04/2014</a:t>
             </a:fld>
             <a:endParaRPr lang="it-IT"/>
           </a:p>
@@ -500,7 +937,7 @@
           <a:p>
             <a:fld id="{73EEE35A-8BBF-7E45-9B50-4A275ACC89A3}" type="slidenum">
               <a:rPr lang="it-IT" smtClean="0"/>
-              <a:t>‹n.›</a:t>
+              <a:t>‹N›</a:t>
             </a:fld>
             <a:endParaRPr lang="it-IT"/>
           </a:p>
@@ -638,7 +1075,7 @@
           <a:p>
             <a:fld id="{F3BB6EA2-B085-5C44-98FF-4089F390D846}" type="datetimeFigureOut">
               <a:rPr lang="it-IT" smtClean="0"/>
-              <a:t>02/04/14</a:t>
+              <a:t>09/04/2014</a:t>
             </a:fld>
             <a:endParaRPr lang="it-IT"/>
           </a:p>
@@ -680,7 +1117,7 @@
           <a:p>
             <a:fld id="{73EEE35A-8BBF-7E45-9B50-4A275ACC89A3}" type="slidenum">
               <a:rPr lang="it-IT" smtClean="0"/>
-              <a:t>‹n.›</a:t>
+              <a:t>‹N›</a:t>
             </a:fld>
             <a:endParaRPr lang="it-IT"/>
           </a:p>
@@ -808,7 +1245,7 @@
           <a:p>
             <a:fld id="{F3BB6EA2-B085-5C44-98FF-4089F390D846}" type="datetimeFigureOut">
               <a:rPr lang="it-IT" smtClean="0"/>
-              <a:t>02/04/14</a:t>
+              <a:t>09/04/2014</a:t>
             </a:fld>
             <a:endParaRPr lang="it-IT"/>
           </a:p>
@@ -850,7 +1287,7 @@
           <a:p>
             <a:fld id="{73EEE35A-8BBF-7E45-9B50-4A275ACC89A3}" type="slidenum">
               <a:rPr lang="it-IT" smtClean="0"/>
-              <a:t>‹n.›</a:t>
+              <a:t>‹N›</a:t>
             </a:fld>
             <a:endParaRPr lang="it-IT"/>
           </a:p>
@@ -1054,7 +1491,7 @@
           <a:p>
             <a:fld id="{F3BB6EA2-B085-5C44-98FF-4089F390D846}" type="datetimeFigureOut">
               <a:rPr lang="it-IT" smtClean="0"/>
-              <a:t>02/04/14</a:t>
+              <a:t>09/04/2014</a:t>
             </a:fld>
             <a:endParaRPr lang="it-IT"/>
           </a:p>
@@ -1096,7 +1533,7 @@
           <a:p>
             <a:fld id="{73EEE35A-8BBF-7E45-9B50-4A275ACC89A3}" type="slidenum">
               <a:rPr lang="it-IT" smtClean="0"/>
-              <a:t>‹n.›</a:t>
+              <a:t>‹N›</a:t>
             </a:fld>
             <a:endParaRPr lang="it-IT"/>
           </a:p>
@@ -1342,7 +1779,7 @@
           <a:p>
             <a:fld id="{F3BB6EA2-B085-5C44-98FF-4089F390D846}" type="datetimeFigureOut">
               <a:rPr lang="it-IT" smtClean="0"/>
-              <a:t>02/04/14</a:t>
+              <a:t>09/04/2014</a:t>
             </a:fld>
             <a:endParaRPr lang="it-IT"/>
           </a:p>
@@ -1384,7 +1821,7 @@
           <a:p>
             <a:fld id="{73EEE35A-8BBF-7E45-9B50-4A275ACC89A3}" type="slidenum">
               <a:rPr lang="it-IT" smtClean="0"/>
-              <a:t>‹n.›</a:t>
+              <a:t>‹N›</a:t>
             </a:fld>
             <a:endParaRPr lang="it-IT"/>
           </a:p>
@@ -1764,7 +2201,7 @@
           <a:p>
             <a:fld id="{F3BB6EA2-B085-5C44-98FF-4089F390D846}" type="datetimeFigureOut">
               <a:rPr lang="it-IT" smtClean="0"/>
-              <a:t>02/04/14</a:t>
+              <a:t>09/04/2014</a:t>
             </a:fld>
             <a:endParaRPr lang="it-IT"/>
           </a:p>
@@ -1806,7 +2243,7 @@
           <a:p>
             <a:fld id="{73EEE35A-8BBF-7E45-9B50-4A275ACC89A3}" type="slidenum">
               <a:rPr lang="it-IT" smtClean="0"/>
-              <a:t>‹n.›</a:t>
+              <a:t>‹N›</a:t>
             </a:fld>
             <a:endParaRPr lang="it-IT"/>
           </a:p>
@@ -1882,7 +2319,7 @@
           <a:p>
             <a:fld id="{F3BB6EA2-B085-5C44-98FF-4089F390D846}" type="datetimeFigureOut">
               <a:rPr lang="it-IT" smtClean="0"/>
-              <a:t>02/04/14</a:t>
+              <a:t>09/04/2014</a:t>
             </a:fld>
             <a:endParaRPr lang="it-IT"/>
           </a:p>
@@ -1924,7 +2361,7 @@
           <a:p>
             <a:fld id="{73EEE35A-8BBF-7E45-9B50-4A275ACC89A3}" type="slidenum">
               <a:rPr lang="it-IT" smtClean="0"/>
-              <a:t>‹n.›</a:t>
+              <a:t>‹N›</a:t>
             </a:fld>
             <a:endParaRPr lang="it-IT"/>
           </a:p>
@@ -1977,7 +2414,7 @@
           <a:p>
             <a:fld id="{F3BB6EA2-B085-5C44-98FF-4089F390D846}" type="datetimeFigureOut">
               <a:rPr lang="it-IT" smtClean="0"/>
-              <a:t>02/04/14</a:t>
+              <a:t>09/04/2014</a:t>
             </a:fld>
             <a:endParaRPr lang="it-IT"/>
           </a:p>
@@ -2019,7 +2456,7 @@
           <a:p>
             <a:fld id="{73EEE35A-8BBF-7E45-9B50-4A275ACC89A3}" type="slidenum">
               <a:rPr lang="it-IT" smtClean="0"/>
-              <a:t>‹n.›</a:t>
+              <a:t>‹N›</a:t>
             </a:fld>
             <a:endParaRPr lang="it-IT"/>
           </a:p>
@@ -2254,7 +2691,7 @@
           <a:p>
             <a:fld id="{F3BB6EA2-B085-5C44-98FF-4089F390D846}" type="datetimeFigureOut">
               <a:rPr lang="it-IT" smtClean="0"/>
-              <a:t>02/04/14</a:t>
+              <a:t>09/04/2014</a:t>
             </a:fld>
             <a:endParaRPr lang="it-IT"/>
           </a:p>
@@ -2296,7 +2733,7 @@
           <a:p>
             <a:fld id="{73EEE35A-8BBF-7E45-9B50-4A275ACC89A3}" type="slidenum">
               <a:rPr lang="it-IT" smtClean="0"/>
-              <a:t>‹n.›</a:t>
+              <a:t>‹N›</a:t>
             </a:fld>
             <a:endParaRPr lang="it-IT"/>
           </a:p>
@@ -2507,7 +2944,7 @@
           <a:p>
             <a:fld id="{F3BB6EA2-B085-5C44-98FF-4089F390D846}" type="datetimeFigureOut">
               <a:rPr lang="it-IT" smtClean="0"/>
-              <a:t>02/04/14</a:t>
+              <a:t>09/04/2014</a:t>
             </a:fld>
             <a:endParaRPr lang="it-IT"/>
           </a:p>
@@ -2549,7 +2986,7 @@
           <a:p>
             <a:fld id="{73EEE35A-8BBF-7E45-9B50-4A275ACC89A3}" type="slidenum">
               <a:rPr lang="it-IT" smtClean="0"/>
-              <a:t>‹n.›</a:t>
+              <a:t>‹N›</a:t>
             </a:fld>
             <a:endParaRPr lang="it-IT"/>
           </a:p>
@@ -2720,7 +3157,7 @@
           <a:p>
             <a:fld id="{F3BB6EA2-B085-5C44-98FF-4089F390D846}" type="datetimeFigureOut">
               <a:rPr lang="it-IT" smtClean="0"/>
-              <a:t>02/04/14</a:t>
+              <a:t>09/04/2014</a:t>
             </a:fld>
             <a:endParaRPr lang="it-IT"/>
           </a:p>
@@ -2798,7 +3235,7 @@
           <a:p>
             <a:fld id="{73EEE35A-8BBF-7E45-9B50-4A275ACC89A3}" type="slidenum">
               <a:rPr lang="it-IT" smtClean="0"/>
-              <a:t>‹n.›</a:t>
+              <a:t>‹N›</a:t>
             </a:fld>
             <a:endParaRPr lang="it-IT"/>
           </a:p>
@@ -3106,180 +3543,96 @@
           <a:chExt cx="0" cy="0"/>
         </a:xfrm>
       </p:grpSpPr>
-      <p:pic>
-        <p:nvPicPr>
-          <p:cNvPr id="13" name="Immagine 12" descr="homePlayerWaitHit.tiff"/>
-          <p:cNvPicPr>
-            <a:picLocks noChangeAspect="1"/>
-          </p:cNvPicPr>
+      <p:sp>
+        <p:nvSpPr>
+          <p:cNvPr id="119" name="Ovale 118"/>
+          <p:cNvSpPr/>
           <p:nvPr/>
-        </p:nvPicPr>
-        <p:blipFill>
-          <a:blip r:embed="rId2">
-            <a:extLst>
-              <a:ext uri="{28A0092B-C50C-407E-A947-70E740481C1C}">
-                <a14:useLocalDpi xmlns:a14="http://schemas.microsoft.com/office/drawing/2010/main" val="0"/>
-              </a:ext>
-            </a:extLst>
-          </a:blip>
-          <a:stretch>
-            <a:fillRect/>
-          </a:stretch>
-        </p:blipFill>
+        </p:nvSpPr>
         <p:spPr>
           <a:xfrm>
-            <a:off x="7308304" y="4154015"/>
-            <a:ext cx="1512168" cy="2160240"/>
-          </a:xfrm>
-          <a:prstGeom prst="rect">
+            <a:off x="46851" y="1419393"/>
+            <a:ext cx="3843067" cy="1408407"/>
+          </a:xfrm>
+          <a:prstGeom prst="ellipse">
             <a:avLst/>
           </a:prstGeom>
-        </p:spPr>
-      </p:pic>
-      <p:pic>
-        <p:nvPicPr>
-          <p:cNvPr id="14" name="Immagine 13" descr="playersHits.tiff"/>
-          <p:cNvPicPr>
-            <a:picLocks noChangeAspect="1"/>
-          </p:cNvPicPr>
+          <a:solidFill>
+            <a:schemeClr val="tx2">
+              <a:lumMod val="60000"/>
+              <a:lumOff val="40000"/>
+              <a:alpha val="23000"/>
+            </a:schemeClr>
+          </a:solidFill>
+        </p:spPr>
+        <p:style>
+          <a:lnRef idx="1">
+            <a:schemeClr val="accent1"/>
+          </a:lnRef>
+          <a:fillRef idx="3">
+            <a:schemeClr val="accent1"/>
+          </a:fillRef>
+          <a:effectRef idx="2">
+            <a:schemeClr val="accent1"/>
+          </a:effectRef>
+          <a:fontRef idx="minor">
+            <a:schemeClr val="lt1"/>
+          </a:fontRef>
+        </p:style>
+        <p:txBody>
+          <a:bodyPr rtlCol="0" anchor="ctr"/>
+          <a:lstStyle/>
+          <a:p>
+            <a:pPr algn="ctr"/>
+            <a:endParaRPr lang="it-IT"/>
+          </a:p>
+        </p:txBody>
+      </p:sp>
+      <p:sp>
+        <p:nvSpPr>
+          <p:cNvPr id="117" name="Ovale 116"/>
+          <p:cNvSpPr/>
           <p:nvPr/>
-        </p:nvPicPr>
-        <p:blipFill>
-          <a:blip r:embed="rId3">
-            <a:extLst>
-              <a:ext uri="{28A0092B-C50C-407E-A947-70E740481C1C}">
-                <a14:useLocalDpi xmlns:a14="http://schemas.microsoft.com/office/drawing/2010/main" val="0"/>
-              </a:ext>
-            </a:extLst>
-          </a:blip>
-          <a:stretch>
-            <a:fillRect/>
-          </a:stretch>
-        </p:blipFill>
+        </p:nvSpPr>
         <p:spPr>
           <a:xfrm>
-            <a:off x="7308304" y="1849759"/>
-            <a:ext cx="1512168" cy="2160240"/>
-          </a:xfrm>
-          <a:prstGeom prst="rect">
+            <a:off x="87841" y="5394445"/>
+            <a:ext cx="3843067" cy="1408407"/>
+          </a:xfrm>
+          <a:prstGeom prst="ellipse">
             <a:avLst/>
           </a:prstGeom>
-        </p:spPr>
-      </p:pic>
-      <p:pic>
-        <p:nvPicPr>
-          <p:cNvPr id="16" name="Immagine 15" descr="waitingOpponent.tiff"/>
-          <p:cNvPicPr>
-            <a:picLocks noChangeAspect="1"/>
-          </p:cNvPicPr>
-          <p:nvPr/>
-        </p:nvPicPr>
-        <p:blipFill>
-          <a:blip r:embed="rId4">
-            <a:extLst>
-              <a:ext uri="{28A0092B-C50C-407E-A947-70E740481C1C}">
-                <a14:useLocalDpi xmlns:a14="http://schemas.microsoft.com/office/drawing/2010/main" val="0"/>
-              </a:ext>
-            </a:extLst>
-          </a:blip>
-          <a:stretch>
-            <a:fillRect/>
-          </a:stretch>
-        </p:blipFill>
-        <p:spPr>
-          <a:xfrm>
-            <a:off x="149900" y="1846416"/>
-            <a:ext cx="1535393" cy="2193418"/>
-          </a:xfrm>
-          <a:prstGeom prst="rect">
-            <a:avLst/>
-          </a:prstGeom>
-        </p:spPr>
-      </p:pic>
-      <p:pic>
-        <p:nvPicPr>
-          <p:cNvPr id="17" name="Immagine 16" descr="join Game.tiff"/>
-          <p:cNvPicPr>
-            <a:picLocks noChangeAspect="1"/>
-          </p:cNvPicPr>
-          <p:nvPr/>
-        </p:nvPicPr>
-        <p:blipFill>
-          <a:blip r:embed="rId5">
-            <a:extLst>
-              <a:ext uri="{28A0092B-C50C-407E-A947-70E740481C1C}">
-                <a14:useLocalDpi xmlns:a14="http://schemas.microsoft.com/office/drawing/2010/main" val="0"/>
-              </a:ext>
-            </a:extLst>
-          </a:blip>
-          <a:stretch>
-            <a:fillRect/>
-          </a:stretch>
-        </p:blipFill>
-        <p:spPr>
-          <a:xfrm>
-            <a:off x="173125" y="4150672"/>
-            <a:ext cx="1512168" cy="2160240"/>
-          </a:xfrm>
-          <a:prstGeom prst="rect">
-            <a:avLst/>
-          </a:prstGeom>
-        </p:spPr>
-      </p:pic>
-      <p:pic>
-        <p:nvPicPr>
-          <p:cNvPr id="19" name="Picture 72"/>
-          <p:cNvPicPr>
-            <a:picLocks noChangeAspect="1" noChangeArrowheads="1"/>
-          </p:cNvPicPr>
-          <p:nvPr/>
-        </p:nvPicPr>
-        <p:blipFill>
-          <a:blip r:embed="rId6">
-            <a:extLst>
-              <a:ext uri="{28A0092B-C50C-407E-A947-70E740481C1C}">
-                <a14:useLocalDpi xmlns:a14="http://schemas.microsoft.com/office/drawing/2010/main" val="0"/>
-              </a:ext>
-            </a:extLst>
-          </a:blip>
-          <a:srcRect/>
-          <a:stretch>
-            <a:fillRect/>
-          </a:stretch>
-        </p:blipFill>
-        <p:spPr bwMode="auto">
-          <a:xfrm>
-            <a:off x="3736969" y="2055421"/>
-            <a:ext cx="648072" cy="755647"/>
-          </a:xfrm>
-          <a:prstGeom prst="rect">
-            <a:avLst/>
-          </a:prstGeom>
-          <a:noFill/>
-          <a:ln>
-            <a:noFill/>
-          </a:ln>
-          <a:extLst>
-            <a:ext uri="{909E8E84-426E-40dd-AFC4-6F175D3DCCD1}">
-              <a14:hiddenFill xmlns:a14="http://schemas.microsoft.com/office/drawing/2010/main">
-                <a:solidFill>
-                  <a:srgbClr val="FFFFFF"/>
-                </a:solidFill>
-              </a14:hiddenFill>
-            </a:ext>
-            <a:ext uri="{91240B29-F687-4f45-9708-019B960494DF}">
-              <a14:hiddenLine xmlns:a14="http://schemas.microsoft.com/office/drawing/2010/main" w="9525">
-                <a:solidFill>
-                  <a:srgbClr val="000000"/>
-                </a:solidFill>
-                <a:miter lim="800000"/>
-                <a:headEnd/>
-                <a:tailEnd/>
-              </a14:hiddenLine>
-            </a:ext>
-          </a:extLst>
-        </p:spPr>
-      </p:pic>
+          <a:solidFill>
+            <a:schemeClr val="tx2">
+              <a:lumMod val="60000"/>
+              <a:lumOff val="40000"/>
+              <a:alpha val="23000"/>
+            </a:schemeClr>
+          </a:solidFill>
+        </p:spPr>
+        <p:style>
+          <a:lnRef idx="1">
+            <a:schemeClr val="accent1"/>
+          </a:lnRef>
+          <a:fillRef idx="3">
+            <a:schemeClr val="accent1"/>
+          </a:fillRef>
+          <a:effectRef idx="2">
+            <a:schemeClr val="accent1"/>
+          </a:effectRef>
+          <a:fontRef idx="minor">
+            <a:schemeClr val="lt1"/>
+          </a:fontRef>
+        </p:style>
+        <p:txBody>
+          <a:bodyPr rtlCol="0" anchor="ctr"/>
+          <a:lstStyle/>
+          <a:p>
+            <a:pPr algn="ctr"/>
+            <a:endParaRPr lang="it-IT"/>
+          </a:p>
+        </p:txBody>
+      </p:sp>
       <p:sp>
         <p:nvSpPr>
           <p:cNvPr id="20" name="Text Box 4"/>
@@ -3290,7 +3643,7 @@
         </p:nvSpPr>
         <p:spPr bwMode="auto">
           <a:xfrm>
-            <a:off x="4385041" y="2271445"/>
+            <a:off x="2158497" y="3506851"/>
             <a:ext cx="1008112" cy="298919"/>
           </a:xfrm>
           <a:prstGeom prst="rect">
@@ -3356,7 +3709,7 @@
         </p:nvSpPr>
         <p:spPr bwMode="auto">
           <a:xfrm>
-            <a:off x="3576879" y="1911405"/>
+            <a:off x="1285158" y="3055610"/>
             <a:ext cx="2032297" cy="2053604"/>
           </a:xfrm>
           <a:prstGeom prst="rect">
@@ -3373,7 +3726,7 @@
             <a:tailEnd/>
           </a:ln>
           <a:extLst>
-            <a:ext uri="{909E8E84-426E-40dd-AFC4-6F175D3DCCD1}">
+            <a:ext uri="{909E8E84-426E-40DD-AFC4-6F175D3DCCD1}">
               <a14:hiddenFill xmlns:a14="http://schemas.microsoft.com/office/drawing/2010/main">
                 <a:solidFill>
                   <a:srgbClr val="FFFFFF"/>
@@ -3397,7 +3750,7 @@
               <a:buFont typeface="Times New Roman" charset="0"/>
               <a:buNone/>
             </a:pPr>
-            <a:endParaRPr lang="en-GB" sz="1600" u="none">
+            <a:endParaRPr lang="en-GB" sz="1600" u="none" dirty="0">
               <a:ea typeface="MS PGothic" charset="0"/>
               <a:cs typeface="MS PGothic" charset="0"/>
             </a:endParaRPr>
@@ -3414,8 +3767,8 @@
         </p:nvGrpSpPr>
         <p:grpSpPr bwMode="auto">
           <a:xfrm>
-            <a:off x="3880985" y="2847509"/>
-            <a:ext cx="1390129" cy="801588"/>
+            <a:off x="1574247" y="4060800"/>
+            <a:ext cx="1512168" cy="920927"/>
             <a:chOff x="6246" y="14744"/>
             <a:chExt cx="1451" cy="1082"/>
           </a:xfrm>
@@ -3641,7 +3994,7 @@
               <a:tailEnd type="triangle" w="med" len="med"/>
             </a:ln>
             <a:extLst>
-              <a:ext uri="{909E8E84-426E-40dd-AFC4-6F175D3DCCD1}">
+              <a:ext uri="{909E8E84-426E-40DD-AFC4-6F175D3DCCD1}">
                 <a14:hiddenFill xmlns:a14="http://schemas.microsoft.com/office/drawing/2010/main">
                   <a:noFill/>
                 </a14:hiddenFill>
@@ -3677,7 +4030,7 @@
               <a:tailEnd type="triangle" w="med" len="med"/>
             </a:ln>
             <a:extLst>
-              <a:ext uri="{909E8E84-426E-40dd-AFC4-6F175D3DCCD1}">
+              <a:ext uri="{909E8E84-426E-40DD-AFC4-6F175D3DCCD1}">
                 <a14:hiddenFill xmlns:a14="http://schemas.microsoft.com/office/drawing/2010/main">
                   <a:noFill/>
                 </a14:hiddenFill>
@@ -3712,7 +4065,7 @@
               <a:tailEnd type="triangle" w="med" len="med"/>
             </a:ln>
             <a:extLst>
-              <a:ext uri="{909E8E84-426E-40dd-AFC4-6F175D3DCCD1}">
+              <a:ext uri="{909E8E84-426E-40DD-AFC4-6F175D3DCCD1}">
                 <a14:hiddenFill xmlns:a14="http://schemas.microsoft.com/office/drawing/2010/main">
                   <a:noFill/>
                 </a14:hiddenFill>
@@ -3721,846 +4074,6 @@
           </p:spPr>
         </p:cxnSp>
       </p:grpSp>
-      <p:cxnSp>
-        <p:nvCxnSpPr>
-          <p:cNvPr id="39" name="Connettore 2 38"/>
-          <p:cNvCxnSpPr>
-            <a:stCxn id="16" idx="3"/>
-            <a:endCxn id="21" idx="1"/>
-          </p:cNvCxnSpPr>
-          <p:nvPr/>
-        </p:nvCxnSpPr>
-        <p:spPr bwMode="auto">
-          <a:xfrm flipV="1">
-            <a:off x="1685293" y="2938207"/>
-            <a:ext cx="1891586" cy="4918"/>
-          </a:xfrm>
-          <a:prstGeom prst="straightConnector1">
-            <a:avLst/>
-          </a:prstGeom>
-          <a:solidFill>
-            <a:schemeClr val="accent1"/>
-          </a:solidFill>
-          <a:ln w="9525" cap="flat" cmpd="sng" algn="ctr">
-            <a:solidFill>
-              <a:schemeClr val="tx1"/>
-            </a:solidFill>
-            <a:prstDash val="solid"/>
-            <a:round/>
-            <a:headEnd type="arrow"/>
-            <a:tailEnd type="arrow"/>
-          </a:ln>
-          <a:effectLst/>
-          <a:extLst>
-            <a:ext uri="{AF507438-7753-43e0-B8FC-AC1667EBCBE1}">
-              <a14:hiddenEffects xmlns:a14="http://schemas.microsoft.com/office/drawing/2010/main">
-                <a:effectLst>
-                  <a:outerShdw dist="35921" dir="2700000" algn="ctr" rotWithShape="0">
-                    <a:schemeClr val="bg2"/>
-                  </a:outerShdw>
-                </a:effectLst>
-              </a14:hiddenEffects>
-            </a:ext>
-          </a:extLst>
-        </p:spPr>
-      </p:cxnSp>
-      <p:cxnSp>
-        <p:nvCxnSpPr>
-          <p:cNvPr id="41" name="Connettore 2 40"/>
-          <p:cNvCxnSpPr>
-            <a:stCxn id="17" idx="3"/>
-          </p:cNvCxnSpPr>
-          <p:nvPr/>
-        </p:nvCxnSpPr>
-        <p:spPr bwMode="auto">
-          <a:xfrm flipV="1">
-            <a:off x="1685293" y="3965009"/>
-            <a:ext cx="1891586" cy="1265783"/>
-          </a:xfrm>
-          <a:prstGeom prst="straightConnector1">
-            <a:avLst/>
-          </a:prstGeom>
-          <a:solidFill>
-            <a:schemeClr val="accent1"/>
-          </a:solidFill>
-          <a:ln w="9525" cap="flat" cmpd="sng" algn="ctr">
-            <a:solidFill>
-              <a:schemeClr val="tx1"/>
-            </a:solidFill>
-            <a:prstDash val="solid"/>
-            <a:round/>
-            <a:headEnd type="arrow"/>
-            <a:tailEnd type="arrow"/>
-          </a:ln>
-          <a:effectLst/>
-          <a:extLst>
-            <a:ext uri="{AF507438-7753-43e0-B8FC-AC1667EBCBE1}">
-              <a14:hiddenEffects xmlns:a14="http://schemas.microsoft.com/office/drawing/2010/main">
-                <a:effectLst>
-                  <a:outerShdw dist="35921" dir="2700000" algn="ctr" rotWithShape="0">
-                    <a:schemeClr val="bg2"/>
-                  </a:outerShdw>
-                </a:effectLst>
-              </a14:hiddenEffects>
-            </a:ext>
-          </a:extLst>
-        </p:spPr>
-      </p:cxnSp>
-      <p:cxnSp>
-        <p:nvCxnSpPr>
-          <p:cNvPr id="43" name="Connettore 2 42"/>
-          <p:cNvCxnSpPr>
-            <a:stCxn id="21" idx="3"/>
-            <a:endCxn id="14" idx="1"/>
-          </p:cNvCxnSpPr>
-          <p:nvPr/>
-        </p:nvCxnSpPr>
-        <p:spPr bwMode="auto">
-          <a:xfrm flipV="1">
-            <a:off x="5609176" y="2929879"/>
-            <a:ext cx="1699128" cy="8328"/>
-          </a:xfrm>
-          <a:prstGeom prst="straightConnector1">
-            <a:avLst/>
-          </a:prstGeom>
-          <a:solidFill>
-            <a:schemeClr val="accent1"/>
-          </a:solidFill>
-          <a:ln w="9525" cap="flat" cmpd="sng" algn="ctr">
-            <a:solidFill>
-              <a:schemeClr val="tx1"/>
-            </a:solidFill>
-            <a:prstDash val="solid"/>
-            <a:round/>
-            <a:headEnd type="arrow"/>
-            <a:tailEnd type="arrow"/>
-          </a:ln>
-          <a:effectLst/>
-          <a:extLst>
-            <a:ext uri="{AF507438-7753-43e0-B8FC-AC1667EBCBE1}">
-              <a14:hiddenEffects xmlns:a14="http://schemas.microsoft.com/office/drawing/2010/main">
-                <a:effectLst>
-                  <a:outerShdw dist="35921" dir="2700000" algn="ctr" rotWithShape="0">
-                    <a:schemeClr val="bg2"/>
-                  </a:outerShdw>
-                </a:effectLst>
-              </a14:hiddenEffects>
-            </a:ext>
-          </a:extLst>
-        </p:spPr>
-      </p:cxnSp>
-      <p:cxnSp>
-        <p:nvCxnSpPr>
-          <p:cNvPr id="45" name="Connettore 2 44"/>
-          <p:cNvCxnSpPr>
-            <a:endCxn id="13" idx="1"/>
-          </p:cNvCxnSpPr>
-          <p:nvPr/>
-        </p:nvCxnSpPr>
-        <p:spPr bwMode="auto">
-          <a:xfrm>
-            <a:off x="5609176" y="3965009"/>
-            <a:ext cx="1699128" cy="1269126"/>
-          </a:xfrm>
-          <a:prstGeom prst="straightConnector1">
-            <a:avLst/>
-          </a:prstGeom>
-          <a:solidFill>
-            <a:schemeClr val="accent1"/>
-          </a:solidFill>
-          <a:ln w="9525" cap="flat" cmpd="sng" algn="ctr">
-            <a:solidFill>
-              <a:schemeClr val="tx1"/>
-            </a:solidFill>
-            <a:prstDash val="solid"/>
-            <a:round/>
-            <a:headEnd type="arrow"/>
-            <a:tailEnd type="arrow"/>
-          </a:ln>
-          <a:effectLst/>
-          <a:extLst>
-            <a:ext uri="{AF507438-7753-43e0-B8FC-AC1667EBCBE1}">
-              <a14:hiddenEffects xmlns:a14="http://schemas.microsoft.com/office/drawing/2010/main">
-                <a:effectLst>
-                  <a:outerShdw dist="35921" dir="2700000" algn="ctr" rotWithShape="0">
-                    <a:schemeClr val="bg2"/>
-                  </a:outerShdw>
-                </a:effectLst>
-              </a14:hiddenEffects>
-            </a:ext>
-          </a:extLst>
-        </p:spPr>
-      </p:cxnSp>
-      <p:sp>
-        <p:nvSpPr>
-          <p:cNvPr id="50" name="CasellaDiTesto 49"/>
-          <p:cNvSpPr txBox="1"/>
-          <p:nvPr/>
-        </p:nvSpPr>
-        <p:spPr>
-          <a:xfrm>
-            <a:off x="6337577" y="2487454"/>
-            <a:ext cx="1192178" cy="400110"/>
-          </a:xfrm>
-          <a:prstGeom prst="rect">
-            <a:avLst/>
-          </a:prstGeom>
-          <a:noFill/>
-        </p:spPr>
-        <p:txBody>
-          <a:bodyPr wrap="none" rtlCol="0">
-            <a:spAutoFit/>
-          </a:bodyPr>
-          <a:lstStyle/>
-          <a:p>
-            <a:r>
-              <a:rPr lang="it-IT" sz="2000" b="1" u="none" dirty="0" smtClean="0">
-                <a:solidFill>
-                  <a:srgbClr val="0000FF"/>
-                </a:solidFill>
-              </a:rPr>
-              <a:t>Player A</a:t>
-            </a:r>
-            <a:endParaRPr lang="it-IT" sz="2000" b="1" u="none" dirty="0">
-              <a:solidFill>
-                <a:srgbClr val="0000FF"/>
-              </a:solidFill>
-            </a:endParaRPr>
-          </a:p>
-        </p:txBody>
-      </p:sp>
-      <p:sp>
-        <p:nvSpPr>
-          <p:cNvPr id="51" name="CasellaDiTesto 50"/>
-          <p:cNvSpPr txBox="1"/>
-          <p:nvPr/>
-        </p:nvSpPr>
-        <p:spPr>
-          <a:xfrm>
-            <a:off x="6317736" y="5234135"/>
-            <a:ext cx="1211214" cy="400110"/>
-          </a:xfrm>
-          <a:prstGeom prst="rect">
-            <a:avLst/>
-          </a:prstGeom>
-          <a:noFill/>
-        </p:spPr>
-        <p:txBody>
-          <a:bodyPr wrap="none" rtlCol="0">
-            <a:spAutoFit/>
-          </a:bodyPr>
-          <a:lstStyle/>
-          <a:p>
-            <a:r>
-              <a:rPr lang="it-IT" sz="2000" b="1" u="none" dirty="0" smtClean="0">
-                <a:solidFill>
-                  <a:srgbClr val="0000FF"/>
-                </a:solidFill>
-              </a:rPr>
-              <a:t>Player B</a:t>
-            </a:r>
-            <a:endParaRPr lang="it-IT" sz="2000" b="1" u="none" dirty="0">
-              <a:solidFill>
-                <a:srgbClr val="0000FF"/>
-              </a:solidFill>
-            </a:endParaRPr>
-          </a:p>
-        </p:txBody>
-      </p:sp>
-      <p:sp>
-        <p:nvSpPr>
-          <p:cNvPr id="52" name="CasellaDiTesto 51"/>
-          <p:cNvSpPr txBox="1"/>
-          <p:nvPr/>
-        </p:nvSpPr>
-        <p:spPr>
-          <a:xfrm>
-            <a:off x="1685293" y="2487454"/>
-            <a:ext cx="1211214" cy="400110"/>
-          </a:xfrm>
-          <a:prstGeom prst="rect">
-            <a:avLst/>
-          </a:prstGeom>
-          <a:noFill/>
-        </p:spPr>
-        <p:txBody>
-          <a:bodyPr wrap="none" rtlCol="0">
-            <a:spAutoFit/>
-          </a:bodyPr>
-          <a:lstStyle/>
-          <a:p>
-            <a:r>
-              <a:rPr lang="it-IT" sz="2000" b="1" u="none" dirty="0" smtClean="0">
-                <a:solidFill>
-                  <a:srgbClr val="0000FF"/>
-                </a:solidFill>
-              </a:rPr>
-              <a:t>Player D</a:t>
-            </a:r>
-            <a:endParaRPr lang="it-IT" sz="2000" b="1" u="none" dirty="0">
-              <a:solidFill>
-                <a:srgbClr val="0000FF"/>
-              </a:solidFill>
-            </a:endParaRPr>
-          </a:p>
-        </p:txBody>
-      </p:sp>
-      <p:sp>
-        <p:nvSpPr>
-          <p:cNvPr id="53" name="CasellaDiTesto 52"/>
-          <p:cNvSpPr txBox="1"/>
-          <p:nvPr/>
-        </p:nvSpPr>
-        <p:spPr>
-          <a:xfrm>
-            <a:off x="1685293" y="5333146"/>
-            <a:ext cx="1211214" cy="400110"/>
-          </a:xfrm>
-          <a:prstGeom prst="rect">
-            <a:avLst/>
-          </a:prstGeom>
-          <a:noFill/>
-        </p:spPr>
-        <p:txBody>
-          <a:bodyPr wrap="none" rtlCol="0">
-            <a:spAutoFit/>
-          </a:bodyPr>
-          <a:lstStyle/>
-          <a:p>
-            <a:r>
-              <a:rPr lang="it-IT" sz="2000" b="1" u="none" dirty="0" smtClean="0">
-                <a:solidFill>
-                  <a:srgbClr val="0000FF"/>
-                </a:solidFill>
-              </a:rPr>
-              <a:t>Player C</a:t>
-            </a:r>
-            <a:endParaRPr lang="it-IT" sz="2000" b="1" u="none" dirty="0">
-              <a:solidFill>
-                <a:srgbClr val="0000FF"/>
-              </a:solidFill>
-            </a:endParaRPr>
-          </a:p>
-        </p:txBody>
-      </p:sp>
-      <p:sp>
-        <p:nvSpPr>
-          <p:cNvPr id="64" name="Rettangolo arrotondato 13"/>
-          <p:cNvSpPr>
-            <a:spLocks noChangeArrowheads="1"/>
-          </p:cNvSpPr>
-          <p:nvPr/>
-        </p:nvSpPr>
-        <p:spPr bwMode="auto">
-          <a:xfrm>
-            <a:off x="1613285" y="5806856"/>
-            <a:ext cx="433959" cy="288032"/>
-          </a:xfrm>
-          <a:prstGeom prst="roundRect">
-            <a:avLst>
-              <a:gd name="adj" fmla="val 16667"/>
-            </a:avLst>
-          </a:prstGeom>
-          <a:solidFill>
-            <a:srgbClr val="DBEEF4"/>
-          </a:solidFill>
-          <a:ln w="25400">
-            <a:solidFill>
-              <a:srgbClr val="215968"/>
-            </a:solidFill>
-            <a:round/>
-            <a:headEnd/>
-            <a:tailEnd/>
-          </a:ln>
-        </p:spPr>
-        <p:txBody>
-          <a:bodyPr lIns="17998" tIns="45715" rIns="17998" bIns="45715" anchor="ctr"/>
-          <a:lstStyle/>
-          <a:p>
-            <a:pPr algn="ctr"/>
-            <a:r>
-              <a:rPr lang="it-IT" sz="1400" u="none">
-                <a:solidFill>
-                  <a:srgbClr val="215968"/>
-                </a:solidFill>
-                <a:latin typeface="Calibri" charset="0"/>
-                <a:ea typeface="MS PGothic" charset="0"/>
-                <a:cs typeface="MS PGothic" charset="0"/>
-              </a:rPr>
-              <a:t>KP</a:t>
-            </a:r>
-            <a:endParaRPr lang="it-IT" sz="1400" u="none">
-              <a:solidFill>
-                <a:srgbClr val="4F6228"/>
-              </a:solidFill>
-              <a:latin typeface="Calibri" charset="0"/>
-              <a:ea typeface="MS PGothic" charset="0"/>
-              <a:cs typeface="MS PGothic" charset="0"/>
-            </a:endParaRPr>
-          </a:p>
-        </p:txBody>
-      </p:sp>
-      <p:sp>
-        <p:nvSpPr>
-          <p:cNvPr id="65" name="Rettangolo arrotondato 9"/>
-          <p:cNvSpPr>
-            <a:spLocks noChangeArrowheads="1"/>
-          </p:cNvSpPr>
-          <p:nvPr/>
-        </p:nvSpPr>
-        <p:spPr bwMode="auto">
-          <a:xfrm>
-            <a:off x="1613285" y="6166896"/>
-            <a:ext cx="432048" cy="288032"/>
-          </a:xfrm>
-          <a:prstGeom prst="roundRect">
-            <a:avLst>
-              <a:gd name="adj" fmla="val 16667"/>
-            </a:avLst>
-          </a:prstGeom>
-          <a:solidFill>
-            <a:srgbClr val="E1FFE2"/>
-          </a:solidFill>
-          <a:ln w="25400">
-            <a:solidFill>
-              <a:srgbClr val="007003"/>
-            </a:solidFill>
-            <a:round/>
-            <a:headEnd/>
-            <a:tailEnd/>
-          </a:ln>
-        </p:spPr>
-        <p:txBody>
-          <a:bodyPr lIns="91430" tIns="45715" rIns="91430" bIns="45715" anchor="ctr"/>
-          <a:lstStyle/>
-          <a:p>
-            <a:pPr algn="ctr"/>
-            <a:r>
-              <a:rPr lang="it-IT" sz="1400" u="none" dirty="0">
-                <a:solidFill>
-                  <a:srgbClr val="007003"/>
-                </a:solidFill>
-                <a:latin typeface="Calibri" charset="0"/>
-                <a:ea typeface="MS PGothic" charset="0"/>
-                <a:cs typeface="MS PGothic" charset="0"/>
-              </a:rPr>
-              <a:t>KP</a:t>
-            </a:r>
-          </a:p>
-        </p:txBody>
-      </p:sp>
-      <p:sp>
-        <p:nvSpPr>
-          <p:cNvPr id="67" name="Rettangolo arrotondato 9"/>
-          <p:cNvSpPr>
-            <a:spLocks noChangeArrowheads="1"/>
-          </p:cNvSpPr>
-          <p:nvPr/>
-        </p:nvSpPr>
-        <p:spPr bwMode="auto">
-          <a:xfrm>
-            <a:off x="1613285" y="2062440"/>
-            <a:ext cx="432048" cy="288032"/>
-          </a:xfrm>
-          <a:prstGeom prst="roundRect">
-            <a:avLst>
-              <a:gd name="adj" fmla="val 16667"/>
-            </a:avLst>
-          </a:prstGeom>
-          <a:solidFill>
-            <a:srgbClr val="E1FFE2"/>
-          </a:solidFill>
-          <a:ln w="25400">
-            <a:solidFill>
-              <a:srgbClr val="007003"/>
-            </a:solidFill>
-            <a:round/>
-            <a:headEnd/>
-            <a:tailEnd/>
-          </a:ln>
-        </p:spPr>
-        <p:txBody>
-          <a:bodyPr lIns="91430" tIns="45715" rIns="91430" bIns="45715" anchor="ctr"/>
-          <a:lstStyle/>
-          <a:p>
-            <a:pPr algn="ctr"/>
-            <a:r>
-              <a:rPr lang="it-IT" sz="1400" u="none">
-                <a:solidFill>
-                  <a:srgbClr val="007003"/>
-                </a:solidFill>
-                <a:latin typeface="Calibri" charset="0"/>
-                <a:ea typeface="MS PGothic" charset="0"/>
-                <a:cs typeface="MS PGothic" charset="0"/>
-              </a:rPr>
-              <a:t>KP</a:t>
-            </a:r>
-          </a:p>
-        </p:txBody>
-      </p:sp>
-      <p:sp>
-        <p:nvSpPr>
-          <p:cNvPr id="68" name="Rettangolo arrotondato 9"/>
-          <p:cNvSpPr>
-            <a:spLocks noChangeArrowheads="1"/>
-          </p:cNvSpPr>
-          <p:nvPr/>
-        </p:nvSpPr>
-        <p:spPr bwMode="auto">
-          <a:xfrm>
-            <a:off x="6948264" y="5810199"/>
-            <a:ext cx="432048" cy="288032"/>
-          </a:xfrm>
-          <a:prstGeom prst="roundRect">
-            <a:avLst>
-              <a:gd name="adj" fmla="val 16667"/>
-            </a:avLst>
-          </a:prstGeom>
-          <a:solidFill>
-            <a:srgbClr val="E1FFE2"/>
-          </a:solidFill>
-          <a:ln w="25400">
-            <a:solidFill>
-              <a:srgbClr val="007003"/>
-            </a:solidFill>
-            <a:round/>
-            <a:headEnd/>
-            <a:tailEnd/>
-          </a:ln>
-        </p:spPr>
-        <p:txBody>
-          <a:bodyPr lIns="91430" tIns="45715" rIns="91430" bIns="45715" anchor="ctr"/>
-          <a:lstStyle/>
-          <a:p>
-            <a:pPr algn="ctr"/>
-            <a:r>
-              <a:rPr lang="it-IT" sz="1400" u="none">
-                <a:solidFill>
-                  <a:srgbClr val="007003"/>
-                </a:solidFill>
-                <a:latin typeface="Calibri" charset="0"/>
-                <a:ea typeface="MS PGothic" charset="0"/>
-                <a:cs typeface="MS PGothic" charset="0"/>
-              </a:rPr>
-              <a:t>KP</a:t>
-            </a:r>
-          </a:p>
-        </p:txBody>
-      </p:sp>
-      <p:sp>
-        <p:nvSpPr>
-          <p:cNvPr id="74" name="Rettangolo arrotondato 13"/>
-          <p:cNvSpPr>
-            <a:spLocks noChangeArrowheads="1"/>
-          </p:cNvSpPr>
-          <p:nvPr/>
-        </p:nvSpPr>
-        <p:spPr bwMode="auto">
-          <a:xfrm>
-            <a:off x="1613285" y="1702400"/>
-            <a:ext cx="433959" cy="288032"/>
-          </a:xfrm>
-          <a:prstGeom prst="roundRect">
-            <a:avLst>
-              <a:gd name="adj" fmla="val 16667"/>
-            </a:avLst>
-          </a:prstGeom>
-          <a:solidFill>
-            <a:srgbClr val="DBEEF4"/>
-          </a:solidFill>
-          <a:ln w="25400">
-            <a:solidFill>
-              <a:srgbClr val="215968"/>
-            </a:solidFill>
-            <a:round/>
-            <a:headEnd/>
-            <a:tailEnd/>
-          </a:ln>
-        </p:spPr>
-        <p:txBody>
-          <a:bodyPr lIns="17998" tIns="45715" rIns="17998" bIns="45715" anchor="ctr"/>
-          <a:lstStyle/>
-          <a:p>
-            <a:pPr algn="ctr"/>
-            <a:r>
-              <a:rPr lang="it-IT" sz="1400" u="none" dirty="0">
-                <a:solidFill>
-                  <a:srgbClr val="215968"/>
-                </a:solidFill>
-                <a:latin typeface="Calibri" charset="0"/>
-                <a:ea typeface="MS PGothic" charset="0"/>
-                <a:cs typeface="MS PGothic" charset="0"/>
-              </a:rPr>
-              <a:t>KP</a:t>
-            </a:r>
-            <a:endParaRPr lang="it-IT" sz="1400" u="none" dirty="0">
-              <a:solidFill>
-                <a:srgbClr val="4F6228"/>
-              </a:solidFill>
-              <a:latin typeface="Calibri" charset="0"/>
-              <a:ea typeface="MS PGothic" charset="0"/>
-              <a:cs typeface="MS PGothic" charset="0"/>
-            </a:endParaRPr>
-          </a:p>
-        </p:txBody>
-      </p:sp>
-      <p:sp>
-        <p:nvSpPr>
-          <p:cNvPr id="76" name="Rettangolo arrotondato 13"/>
-          <p:cNvSpPr>
-            <a:spLocks noChangeArrowheads="1"/>
-          </p:cNvSpPr>
-          <p:nvPr/>
-        </p:nvSpPr>
-        <p:spPr bwMode="auto">
-          <a:xfrm>
-            <a:off x="6948264" y="2065783"/>
-            <a:ext cx="433959" cy="288032"/>
-          </a:xfrm>
-          <a:prstGeom prst="roundRect">
-            <a:avLst>
-              <a:gd name="adj" fmla="val 16667"/>
-            </a:avLst>
-          </a:prstGeom>
-          <a:solidFill>
-            <a:srgbClr val="DBEEF4"/>
-          </a:solidFill>
-          <a:ln w="25400">
-            <a:solidFill>
-              <a:srgbClr val="215968"/>
-            </a:solidFill>
-            <a:round/>
-            <a:headEnd/>
-            <a:tailEnd/>
-          </a:ln>
-        </p:spPr>
-        <p:txBody>
-          <a:bodyPr lIns="17998" tIns="45715" rIns="17998" bIns="45715" anchor="ctr"/>
-          <a:lstStyle/>
-          <a:p>
-            <a:pPr algn="ctr"/>
-            <a:r>
-              <a:rPr lang="it-IT" sz="1400" u="none" dirty="0">
-                <a:solidFill>
-                  <a:srgbClr val="215968"/>
-                </a:solidFill>
-                <a:latin typeface="Calibri" charset="0"/>
-                <a:ea typeface="MS PGothic" charset="0"/>
-                <a:cs typeface="MS PGothic" charset="0"/>
-              </a:rPr>
-              <a:t>KP</a:t>
-            </a:r>
-            <a:endParaRPr lang="it-IT" sz="1400" u="none" dirty="0">
-              <a:solidFill>
-                <a:srgbClr val="4F6228"/>
-              </a:solidFill>
-              <a:latin typeface="Calibri" charset="0"/>
-              <a:ea typeface="MS PGothic" charset="0"/>
-              <a:cs typeface="MS PGothic" charset="0"/>
-            </a:endParaRPr>
-          </a:p>
-        </p:txBody>
-      </p:sp>
-      <p:sp>
-        <p:nvSpPr>
-          <p:cNvPr id="77" name="CasellaDiTesto 76"/>
-          <p:cNvSpPr txBox="1"/>
-          <p:nvPr/>
-        </p:nvSpPr>
-        <p:spPr>
-          <a:xfrm>
-            <a:off x="2045333" y="6166896"/>
-            <a:ext cx="1197764" cy="276999"/>
-          </a:xfrm>
-          <a:prstGeom prst="rect">
-            <a:avLst/>
-          </a:prstGeom>
-          <a:noFill/>
-        </p:spPr>
-        <p:txBody>
-          <a:bodyPr wrap="none" rtlCol="0">
-            <a:spAutoFit/>
-          </a:bodyPr>
-          <a:lstStyle/>
-          <a:p>
-            <a:r>
-              <a:rPr lang="it-IT" sz="1200" u="none" dirty="0" err="1" smtClean="0"/>
-              <a:t>Waiting</a:t>
-            </a:r>
-            <a:r>
-              <a:rPr lang="it-IT" sz="1200" u="none" dirty="0" smtClean="0"/>
-              <a:t> games</a:t>
-            </a:r>
-            <a:endParaRPr lang="it-IT" sz="1200" u="none" dirty="0"/>
-          </a:p>
-        </p:txBody>
-      </p:sp>
-      <p:sp>
-        <p:nvSpPr>
-          <p:cNvPr id="78" name="CasellaDiTesto 77"/>
-          <p:cNvSpPr txBox="1"/>
-          <p:nvPr/>
-        </p:nvSpPr>
-        <p:spPr>
-          <a:xfrm>
-            <a:off x="6084168" y="5810199"/>
-            <a:ext cx="897376" cy="276999"/>
-          </a:xfrm>
-          <a:prstGeom prst="rect">
-            <a:avLst/>
-          </a:prstGeom>
-          <a:noFill/>
-        </p:spPr>
-        <p:txBody>
-          <a:bodyPr wrap="none" rtlCol="0">
-            <a:spAutoFit/>
-          </a:bodyPr>
-          <a:lstStyle/>
-          <a:p>
-            <a:r>
-              <a:rPr lang="it-IT" sz="1200" u="none" dirty="0" err="1" smtClean="0"/>
-              <a:t>Waiting</a:t>
-            </a:r>
-            <a:r>
-              <a:rPr lang="it-IT" sz="1200" u="none" dirty="0" smtClean="0"/>
-              <a:t> hit</a:t>
-            </a:r>
-            <a:endParaRPr lang="it-IT" sz="1200" u="none" dirty="0"/>
-          </a:p>
-        </p:txBody>
-      </p:sp>
-      <p:sp>
-        <p:nvSpPr>
-          <p:cNvPr id="79" name="CasellaDiTesto 78"/>
-          <p:cNvSpPr txBox="1"/>
-          <p:nvPr/>
-        </p:nvSpPr>
-        <p:spPr>
-          <a:xfrm>
-            <a:off x="2045333" y="5806856"/>
-            <a:ext cx="894671" cy="276999"/>
-          </a:xfrm>
-          <a:prstGeom prst="rect">
-            <a:avLst/>
-          </a:prstGeom>
-          <a:noFill/>
-        </p:spPr>
-        <p:txBody>
-          <a:bodyPr wrap="none" rtlCol="0">
-            <a:spAutoFit/>
-          </a:bodyPr>
-          <a:lstStyle/>
-          <a:p>
-            <a:r>
-              <a:rPr lang="it-IT" sz="1200" u="none" dirty="0" smtClean="0"/>
-              <a:t>Join game</a:t>
-            </a:r>
-            <a:endParaRPr lang="it-IT" sz="1200" u="none" dirty="0"/>
-          </a:p>
-        </p:txBody>
-      </p:sp>
-      <p:sp>
-        <p:nvSpPr>
-          <p:cNvPr id="80" name="CasellaDiTesto 79"/>
-          <p:cNvSpPr txBox="1"/>
-          <p:nvPr/>
-        </p:nvSpPr>
-        <p:spPr>
-          <a:xfrm>
-            <a:off x="2045333" y="2062440"/>
-            <a:ext cx="1377300" cy="276999"/>
-          </a:xfrm>
-          <a:prstGeom prst="rect">
-            <a:avLst/>
-          </a:prstGeom>
-          <a:noFill/>
-        </p:spPr>
-        <p:txBody>
-          <a:bodyPr wrap="none" rtlCol="0">
-            <a:spAutoFit/>
-          </a:bodyPr>
-          <a:lstStyle/>
-          <a:p>
-            <a:r>
-              <a:rPr lang="it-IT" sz="1200" u="none" dirty="0" err="1" smtClean="0"/>
-              <a:t>Waiting</a:t>
-            </a:r>
-            <a:r>
-              <a:rPr lang="it-IT" sz="1200" u="none" dirty="0" smtClean="0"/>
-              <a:t> </a:t>
-            </a:r>
-            <a:r>
-              <a:rPr lang="it-IT" sz="1200" u="none" dirty="0" err="1" smtClean="0"/>
-              <a:t>opponent</a:t>
-            </a:r>
-            <a:endParaRPr lang="it-IT" sz="1200" u="none" dirty="0"/>
-          </a:p>
-        </p:txBody>
-      </p:sp>
-      <p:sp>
-        <p:nvSpPr>
-          <p:cNvPr id="81" name="CasellaDiTesto 80"/>
-          <p:cNvSpPr txBox="1"/>
-          <p:nvPr/>
-        </p:nvSpPr>
-        <p:spPr>
-          <a:xfrm>
-            <a:off x="2047244" y="1727832"/>
-            <a:ext cx="937351" cy="276999"/>
-          </a:xfrm>
-          <a:prstGeom prst="rect">
-            <a:avLst/>
-          </a:prstGeom>
-          <a:noFill/>
-        </p:spPr>
-        <p:txBody>
-          <a:bodyPr wrap="none" rtlCol="0">
-            <a:spAutoFit/>
-          </a:bodyPr>
-          <a:lstStyle/>
-          <a:p>
-            <a:r>
-              <a:rPr lang="it-IT" sz="1200" u="none" dirty="0" smtClean="0"/>
-              <a:t>Start game</a:t>
-            </a:r>
-            <a:endParaRPr lang="it-IT" sz="1200" u="none" dirty="0"/>
-          </a:p>
-        </p:txBody>
-      </p:sp>
-      <p:sp>
-        <p:nvSpPr>
-          <p:cNvPr id="84" name="CasellaDiTesto 83"/>
-          <p:cNvSpPr txBox="1"/>
-          <p:nvPr/>
-        </p:nvSpPr>
-        <p:spPr>
-          <a:xfrm>
-            <a:off x="6228184" y="2065783"/>
-            <a:ext cx="749349" cy="276999"/>
-          </a:xfrm>
-          <a:prstGeom prst="rect">
-            <a:avLst/>
-          </a:prstGeom>
-          <a:noFill/>
-        </p:spPr>
-        <p:txBody>
-          <a:bodyPr wrap="none" rtlCol="0">
-            <a:spAutoFit/>
-          </a:bodyPr>
-          <a:lstStyle/>
-          <a:p>
-            <a:r>
-              <a:rPr lang="it-IT" sz="1200" u="none" dirty="0" err="1" smtClean="0"/>
-              <a:t>Send</a:t>
-            </a:r>
-            <a:r>
-              <a:rPr lang="it-IT" sz="1200" u="none" dirty="0" smtClean="0"/>
-              <a:t> hit</a:t>
-            </a:r>
-            <a:endParaRPr lang="it-IT" sz="1200" u="none" dirty="0"/>
-          </a:p>
-        </p:txBody>
-      </p:sp>
       <p:sp>
         <p:nvSpPr>
           <p:cNvPr id="86" name="Rettangolo 85"/>
@@ -4569,7 +4082,7 @@
         </p:nvSpPr>
         <p:spPr>
           <a:xfrm>
-            <a:off x="6773604" y="876660"/>
+            <a:off x="6948786" y="125777"/>
             <a:ext cx="2046868" cy="738664"/>
           </a:xfrm>
           <a:prstGeom prst="rect">
@@ -4647,8 +4160,8 @@
         </p:nvSpPr>
         <p:spPr>
           <a:xfrm>
-            <a:off x="3109434" y="69740"/>
-            <a:ext cx="6019967" cy="707886"/>
+            <a:off x="2" y="125777"/>
+            <a:ext cx="3317454" cy="1015663"/>
           </a:xfrm>
           <a:prstGeom prst="rect">
             <a:avLst/>
@@ -4673,7 +4186,31 @@
                 <a:latin typeface="Chalkboard"/>
                 <a:cs typeface="Chalkboard"/>
               </a:rPr>
-              <a:t> of Bologna – School of </a:t>
+              <a:t> of </a:t>
+            </a:r>
+            <a:r>
+              <a:rPr lang="it-IT" sz="2000" u="none" dirty="0" smtClean="0">
+                <a:latin typeface="Chalkboard"/>
+                <a:cs typeface="Chalkboard"/>
+              </a:rPr>
+              <a:t>Bologna</a:t>
+            </a:r>
+          </a:p>
+          <a:p>
+            <a:pPr lvl="0" algn="ctr"/>
+            <a:r>
+              <a:rPr lang="it-IT" sz="2000" u="none" dirty="0" smtClean="0">
+                <a:latin typeface="Chalkboard"/>
+                <a:cs typeface="Chalkboard"/>
+              </a:rPr>
+              <a:t>School </a:t>
+            </a:r>
+            <a:r>
+              <a:rPr lang="it-IT" sz="2000" u="none" dirty="0" smtClean="0">
+                <a:latin typeface="Chalkboard"/>
+                <a:cs typeface="Chalkboard"/>
+              </a:rPr>
+              <a:t>of </a:t>
             </a:r>
             <a:r>
               <a:rPr lang="it-IT" sz="2000" u="none" dirty="0" err="1" smtClean="0">
@@ -4705,7 +4242,538 @@
       </p:sp>
       <p:pic>
         <p:nvPicPr>
-          <p:cNvPr id="5" name="Immagine 4" descr="title_no_rules.png"/>
+          <p:cNvPr id="2" name="Immagine 1"/>
+          <p:cNvPicPr>
+            <a:picLocks noChangeAspect="1"/>
+          </p:cNvPicPr>
+          <p:nvPr/>
+        </p:nvPicPr>
+        <p:blipFill>
+          <a:blip r:embed="rId3">
+            <a:extLst>
+              <a:ext uri="{28A0092B-C50C-407E-A947-70E740481C1C}">
+                <a14:useLocalDpi xmlns:a14="http://schemas.microsoft.com/office/drawing/2010/main" val="0"/>
+              </a:ext>
+            </a:extLst>
+          </a:blip>
+          <a:stretch>
+            <a:fillRect/>
+          </a:stretch>
+        </p:blipFill>
+        <p:spPr>
+          <a:xfrm>
+            <a:off x="1449409" y="3195445"/>
+            <a:ext cx="722493" cy="842909"/>
+          </a:xfrm>
+          <a:prstGeom prst="rect">
+            <a:avLst/>
+          </a:prstGeom>
+        </p:spPr>
+      </p:pic>
+      <p:pic>
+        <p:nvPicPr>
+          <p:cNvPr id="46" name="Immagine 45"/>
+          <p:cNvPicPr>
+            <a:picLocks noChangeAspect="1"/>
+          </p:cNvPicPr>
+          <p:nvPr/>
+        </p:nvPicPr>
+        <p:blipFill>
+          <a:blip r:embed="rId3">
+            <a:extLst>
+              <a:ext uri="{28A0092B-C50C-407E-A947-70E740481C1C}">
+                <a14:useLocalDpi xmlns:a14="http://schemas.microsoft.com/office/drawing/2010/main" val="0"/>
+              </a:ext>
+            </a:extLst>
+          </a:blip>
+          <a:stretch>
+            <a:fillRect/>
+          </a:stretch>
+        </p:blipFill>
+        <p:spPr>
+          <a:xfrm>
+            <a:off x="2301306" y="5696008"/>
+            <a:ext cx="722493" cy="842909"/>
+          </a:xfrm>
+          <a:prstGeom prst="rect">
+            <a:avLst/>
+          </a:prstGeom>
+        </p:spPr>
+      </p:pic>
+      <p:pic>
+        <p:nvPicPr>
+          <p:cNvPr id="47" name="Immagine 46"/>
+          <p:cNvPicPr>
+            <a:picLocks noChangeAspect="1"/>
+          </p:cNvPicPr>
+          <p:nvPr/>
+        </p:nvPicPr>
+        <p:blipFill>
+          <a:blip r:embed="rId3">
+            <a:extLst>
+              <a:ext uri="{28A0092B-C50C-407E-A947-70E740481C1C}">
+                <a14:useLocalDpi xmlns:a14="http://schemas.microsoft.com/office/drawing/2010/main" val="0"/>
+              </a:ext>
+            </a:extLst>
+          </a:blip>
+          <a:stretch>
+            <a:fillRect/>
+          </a:stretch>
+        </p:blipFill>
+        <p:spPr>
+          <a:xfrm>
+            <a:off x="449663" y="5696009"/>
+            <a:ext cx="722493" cy="842909"/>
+          </a:xfrm>
+          <a:prstGeom prst="rect">
+            <a:avLst/>
+          </a:prstGeom>
+        </p:spPr>
+      </p:pic>
+      <p:pic>
+        <p:nvPicPr>
+          <p:cNvPr id="48" name="Immagine 47"/>
+          <p:cNvPicPr>
+            <a:picLocks noChangeAspect="1"/>
+          </p:cNvPicPr>
+          <p:nvPr/>
+        </p:nvPicPr>
+        <p:blipFill>
+          <a:blip r:embed="rId3">
+            <a:extLst>
+              <a:ext uri="{28A0092B-C50C-407E-A947-70E740481C1C}">
+                <a14:useLocalDpi xmlns:a14="http://schemas.microsoft.com/office/drawing/2010/main" val="0"/>
+              </a:ext>
+            </a:extLst>
+          </a:blip>
+          <a:stretch>
+            <a:fillRect/>
+          </a:stretch>
+        </p:blipFill>
+        <p:spPr>
+          <a:xfrm>
+            <a:off x="88417" y="3656310"/>
+            <a:ext cx="722493" cy="842909"/>
+          </a:xfrm>
+          <a:prstGeom prst="rect">
+            <a:avLst/>
+          </a:prstGeom>
+        </p:spPr>
+      </p:pic>
+      <p:cxnSp>
+        <p:nvCxnSpPr>
+          <p:cNvPr id="4" name="Connettore 2 3"/>
+          <p:cNvCxnSpPr>
+            <a:stCxn id="47" idx="0"/>
+          </p:cNvCxnSpPr>
+          <p:nvPr/>
+        </p:nvCxnSpPr>
+        <p:spPr>
+          <a:xfrm flipV="1">
+            <a:off x="810910" y="5109214"/>
+            <a:ext cx="515507" cy="586795"/>
+          </a:xfrm>
+          <a:prstGeom prst="straightConnector1">
+            <a:avLst/>
+          </a:prstGeom>
+          <a:ln>
+            <a:solidFill>
+              <a:schemeClr val="tx1"/>
+            </a:solidFill>
+            <a:headEnd type="triangle"/>
+            <a:tailEnd type="triangle"/>
+          </a:ln>
+        </p:spPr>
+        <p:style>
+          <a:lnRef idx="2">
+            <a:schemeClr val="accent1"/>
+          </a:lnRef>
+          <a:fillRef idx="0">
+            <a:schemeClr val="accent1"/>
+          </a:fillRef>
+          <a:effectRef idx="1">
+            <a:schemeClr val="accent1"/>
+          </a:effectRef>
+          <a:fontRef idx="minor">
+            <a:schemeClr val="tx1"/>
+          </a:fontRef>
+        </p:style>
+      </p:cxnSp>
+      <p:cxnSp>
+        <p:nvCxnSpPr>
+          <p:cNvPr id="49" name="Connettore 2 48"/>
+          <p:cNvCxnSpPr>
+            <a:stCxn id="46" idx="0"/>
+            <a:endCxn id="21" idx="2"/>
+          </p:cNvCxnSpPr>
+          <p:nvPr/>
+        </p:nvCxnSpPr>
+        <p:spPr>
+          <a:xfrm flipH="1" flipV="1">
+            <a:off x="2301307" y="5109214"/>
+            <a:ext cx="361246" cy="586794"/>
+          </a:xfrm>
+          <a:prstGeom prst="straightConnector1">
+            <a:avLst/>
+          </a:prstGeom>
+          <a:ln>
+            <a:solidFill>
+              <a:schemeClr val="tx1"/>
+            </a:solidFill>
+            <a:headEnd type="triangle"/>
+            <a:tailEnd type="triangle"/>
+          </a:ln>
+        </p:spPr>
+        <p:style>
+          <a:lnRef idx="2">
+            <a:schemeClr val="accent1"/>
+          </a:lnRef>
+          <a:fillRef idx="0">
+            <a:schemeClr val="accent1"/>
+          </a:fillRef>
+          <a:effectRef idx="1">
+            <a:schemeClr val="accent1"/>
+          </a:effectRef>
+          <a:fontRef idx="minor">
+            <a:schemeClr val="tx1"/>
+          </a:fontRef>
+        </p:style>
+      </p:cxnSp>
+      <p:cxnSp>
+        <p:nvCxnSpPr>
+          <p:cNvPr id="58" name="Connettore 2 57"/>
+          <p:cNvCxnSpPr>
+            <a:stCxn id="48" idx="3"/>
+            <a:endCxn id="21" idx="1"/>
+          </p:cNvCxnSpPr>
+          <p:nvPr/>
+        </p:nvCxnSpPr>
+        <p:spPr>
+          <a:xfrm>
+            <a:off x="810910" y="4077765"/>
+            <a:ext cx="474248" cy="4647"/>
+          </a:xfrm>
+          <a:prstGeom prst="straightConnector1">
+            <a:avLst/>
+          </a:prstGeom>
+          <a:ln>
+            <a:solidFill>
+              <a:schemeClr val="tx1"/>
+            </a:solidFill>
+            <a:headEnd type="triangle"/>
+            <a:tailEnd type="triangle"/>
+          </a:ln>
+        </p:spPr>
+        <p:style>
+          <a:lnRef idx="2">
+            <a:schemeClr val="accent1"/>
+          </a:lnRef>
+          <a:fillRef idx="0">
+            <a:schemeClr val="accent1"/>
+          </a:fillRef>
+          <a:effectRef idx="1">
+            <a:schemeClr val="accent1"/>
+          </a:effectRef>
+          <a:fontRef idx="minor">
+            <a:schemeClr val="tx1"/>
+          </a:fontRef>
+        </p:style>
+      </p:cxnSp>
+      <p:cxnSp>
+        <p:nvCxnSpPr>
+          <p:cNvPr id="75" name="Connettore 2 74"/>
+          <p:cNvCxnSpPr>
+            <a:stCxn id="120" idx="2"/>
+            <a:endCxn id="21" idx="0"/>
+          </p:cNvCxnSpPr>
+          <p:nvPr/>
+        </p:nvCxnSpPr>
+        <p:spPr>
+          <a:xfrm flipH="1">
+            <a:off x="2301307" y="2434580"/>
+            <a:ext cx="327601" cy="621030"/>
+          </a:xfrm>
+          <a:prstGeom prst="straightConnector1">
+            <a:avLst/>
+          </a:prstGeom>
+          <a:ln>
+            <a:solidFill>
+              <a:schemeClr val="tx1"/>
+            </a:solidFill>
+            <a:headEnd type="triangle"/>
+            <a:tailEnd type="triangle"/>
+          </a:ln>
+        </p:spPr>
+        <p:style>
+          <a:lnRef idx="2">
+            <a:schemeClr val="accent1"/>
+          </a:lnRef>
+          <a:fillRef idx="0">
+            <a:schemeClr val="accent1"/>
+          </a:fillRef>
+          <a:effectRef idx="1">
+            <a:schemeClr val="accent1"/>
+          </a:effectRef>
+          <a:fontRef idx="minor">
+            <a:schemeClr val="tx1"/>
+          </a:fontRef>
+        </p:style>
+      </p:cxnSp>
+      <p:sp>
+        <p:nvSpPr>
+          <p:cNvPr id="82" name="Text Box 4"/>
+          <p:cNvSpPr txBox="1">
+            <a:spLocks noChangeArrowheads="1"/>
+          </p:cNvSpPr>
+          <p:nvPr/>
+        </p:nvSpPr>
+        <p:spPr bwMode="auto">
+          <a:xfrm>
+            <a:off x="2813399" y="6239998"/>
+            <a:ext cx="1008112" cy="298919"/>
+          </a:xfrm>
+          <a:prstGeom prst="rect">
+            <a:avLst/>
+          </a:prstGeom>
+          <a:noFill/>
+          <a:ln w="9525">
+            <a:noFill/>
+            <a:miter lim="800000"/>
+            <a:headEnd/>
+            <a:tailEnd/>
+          </a:ln>
+        </p:spPr>
+        <p:txBody>
+          <a:bodyPr wrap="square" lIns="82667" tIns="41334" rIns="82667" bIns="41334">
+            <a:spAutoFit/>
+          </a:bodyPr>
+          <a:lstStyle/>
+          <a:p>
+            <a:pPr algn="ctr" defTabSz="857250">
+              <a:spcBef>
+                <a:spcPct val="50000"/>
+              </a:spcBef>
+              <a:defRPr/>
+            </a:pPr>
+            <a:r>
+              <a:rPr lang="en-US" sz="1400" b="1" u="none" dirty="0" smtClean="0">
+                <a:solidFill>
+                  <a:srgbClr val="000099"/>
+                </a:solidFill>
+                <a:effectLst>
+                  <a:outerShdw blurRad="38100" dist="38100" dir="2700000" algn="tl">
+                    <a:srgbClr val="C0C0C0"/>
+                  </a:outerShdw>
+                </a:effectLst>
+                <a:ea typeface="굴림" pitchFamily="34" charset="-127"/>
+                <a:cs typeface="+mn-cs"/>
+              </a:rPr>
+              <a:t>Player 1</a:t>
+            </a:r>
+          </a:p>
+        </p:txBody>
+      </p:sp>
+      <p:sp>
+        <p:nvSpPr>
+          <p:cNvPr id="83" name="Text Box 4"/>
+          <p:cNvSpPr txBox="1">
+            <a:spLocks noChangeArrowheads="1"/>
+          </p:cNvSpPr>
+          <p:nvPr/>
+        </p:nvSpPr>
+        <p:spPr bwMode="auto">
+          <a:xfrm>
+            <a:off x="993506" y="6260173"/>
+            <a:ext cx="1008112" cy="298919"/>
+          </a:xfrm>
+          <a:prstGeom prst="rect">
+            <a:avLst/>
+          </a:prstGeom>
+          <a:noFill/>
+          <a:ln w="9525">
+            <a:noFill/>
+            <a:miter lim="800000"/>
+            <a:headEnd/>
+            <a:tailEnd/>
+          </a:ln>
+        </p:spPr>
+        <p:txBody>
+          <a:bodyPr wrap="square" lIns="82667" tIns="41334" rIns="82667" bIns="41334">
+            <a:spAutoFit/>
+          </a:bodyPr>
+          <a:lstStyle/>
+          <a:p>
+            <a:pPr algn="ctr" defTabSz="857250">
+              <a:spcBef>
+                <a:spcPct val="50000"/>
+              </a:spcBef>
+              <a:defRPr/>
+            </a:pPr>
+            <a:r>
+              <a:rPr lang="en-US" sz="1400" b="1" u="none" dirty="0" smtClean="0">
+                <a:solidFill>
+                  <a:srgbClr val="000099"/>
+                </a:solidFill>
+                <a:effectLst>
+                  <a:outerShdw blurRad="38100" dist="38100" dir="2700000" algn="tl">
+                    <a:srgbClr val="C0C0C0"/>
+                  </a:outerShdw>
+                </a:effectLst>
+                <a:ea typeface="굴림" pitchFamily="34" charset="-127"/>
+                <a:cs typeface="+mn-cs"/>
+              </a:rPr>
+              <a:t>Player 2</a:t>
+            </a:r>
+          </a:p>
+        </p:txBody>
+      </p:sp>
+      <p:sp>
+        <p:nvSpPr>
+          <p:cNvPr id="85" name="Text Box 4"/>
+          <p:cNvSpPr txBox="1">
+            <a:spLocks noChangeArrowheads="1"/>
+          </p:cNvSpPr>
+          <p:nvPr/>
+        </p:nvSpPr>
+        <p:spPr bwMode="auto">
+          <a:xfrm>
+            <a:off x="27708" y="4521263"/>
+            <a:ext cx="1008112" cy="298919"/>
+          </a:xfrm>
+          <a:prstGeom prst="rect">
+            <a:avLst/>
+          </a:prstGeom>
+          <a:noFill/>
+          <a:ln w="9525">
+            <a:noFill/>
+            <a:miter lim="800000"/>
+            <a:headEnd/>
+            <a:tailEnd/>
+          </a:ln>
+        </p:spPr>
+        <p:txBody>
+          <a:bodyPr wrap="square" lIns="82667" tIns="41334" rIns="82667" bIns="41334">
+            <a:spAutoFit/>
+          </a:bodyPr>
+          <a:lstStyle/>
+          <a:p>
+            <a:pPr algn="ctr" defTabSz="857250">
+              <a:spcBef>
+                <a:spcPct val="50000"/>
+              </a:spcBef>
+              <a:defRPr/>
+            </a:pPr>
+            <a:r>
+              <a:rPr lang="en-US" sz="1400" b="1" u="none" dirty="0" smtClean="0">
+                <a:solidFill>
+                  <a:srgbClr val="000099"/>
+                </a:solidFill>
+                <a:effectLst>
+                  <a:outerShdw blurRad="38100" dist="38100" dir="2700000" algn="tl">
+                    <a:srgbClr val="C0C0C0"/>
+                  </a:outerShdw>
+                </a:effectLst>
+                <a:ea typeface="굴림" pitchFamily="34" charset="-127"/>
+                <a:cs typeface="+mn-cs"/>
+              </a:rPr>
+              <a:t>Player n</a:t>
+            </a:r>
+          </a:p>
+        </p:txBody>
+      </p:sp>
+      <p:pic>
+        <p:nvPicPr>
+          <p:cNvPr id="91" name="Immagine 90"/>
+          <p:cNvPicPr>
+            <a:picLocks noChangeAspect="1"/>
+          </p:cNvPicPr>
+          <p:nvPr/>
+        </p:nvPicPr>
+        <p:blipFill>
+          <a:blip r:embed="rId4">
+            <a:extLst>
+              <a:ext uri="{28A0092B-C50C-407E-A947-70E740481C1C}">
+                <a14:useLocalDpi xmlns:a14="http://schemas.microsoft.com/office/drawing/2010/main" val="0"/>
+              </a:ext>
+            </a:extLst>
+          </a:blip>
+          <a:stretch>
+            <a:fillRect/>
+          </a:stretch>
+        </p:blipFill>
+        <p:spPr>
+          <a:xfrm>
+            <a:off x="3960107" y="1727847"/>
+            <a:ext cx="1539729" cy="2199613"/>
+          </a:xfrm>
+          <a:prstGeom prst="rect">
+            <a:avLst/>
+          </a:prstGeom>
+        </p:spPr>
+      </p:pic>
+      <p:pic>
+        <p:nvPicPr>
+          <p:cNvPr id="92" name="Immagine 91"/>
+          <p:cNvPicPr>
+            <a:picLocks noChangeAspect="1"/>
+          </p:cNvPicPr>
+          <p:nvPr/>
+        </p:nvPicPr>
+        <p:blipFill>
+          <a:blip r:embed="rId5">
+            <a:extLst>
+              <a:ext uri="{28A0092B-C50C-407E-A947-70E740481C1C}">
+                <a14:useLocalDpi xmlns:a14="http://schemas.microsoft.com/office/drawing/2010/main" val="0"/>
+              </a:ext>
+            </a:extLst>
+          </a:blip>
+          <a:stretch>
+            <a:fillRect/>
+          </a:stretch>
+        </p:blipFill>
+        <p:spPr>
+          <a:xfrm>
+            <a:off x="5697528" y="1727847"/>
+            <a:ext cx="1539720" cy="2199600"/>
+          </a:xfrm>
+          <a:prstGeom prst="rect">
+            <a:avLst/>
+          </a:prstGeom>
+        </p:spPr>
+      </p:pic>
+      <p:pic>
+        <p:nvPicPr>
+          <p:cNvPr id="94" name="Immagine 93"/>
+          <p:cNvPicPr>
+            <a:picLocks/>
+          </p:cNvPicPr>
+          <p:nvPr/>
+        </p:nvPicPr>
+        <p:blipFill>
+          <a:blip r:embed="rId6">
+            <a:extLst>
+              <a:ext uri="{28A0092B-C50C-407E-A947-70E740481C1C}">
+                <a14:useLocalDpi xmlns:a14="http://schemas.microsoft.com/office/drawing/2010/main" val="0"/>
+              </a:ext>
+            </a:extLst>
+          </a:blip>
+          <a:stretch>
+            <a:fillRect/>
+          </a:stretch>
+        </p:blipFill>
+        <p:spPr>
+          <a:xfrm>
+            <a:off x="7431225" y="1728000"/>
+            <a:ext cx="1540800" cy="2199600"/>
+          </a:xfrm>
+          <a:prstGeom prst="rect">
+            <a:avLst/>
+          </a:prstGeom>
+        </p:spPr>
+      </p:pic>
+      <p:pic>
+        <p:nvPicPr>
+          <p:cNvPr id="95" name="Immagine 94"/>
           <p:cNvPicPr>
             <a:picLocks noChangeAspect="1"/>
           </p:cNvPicPr>
@@ -4725,8 +4793,1119 @@
         </p:blipFill>
         <p:spPr>
           <a:xfrm>
-            <a:off x="94924" y="-11776"/>
-            <a:ext cx="3457180" cy="1636074"/>
+            <a:off x="4876634" y="4509538"/>
+            <a:ext cx="2857500" cy="2143125"/>
+          </a:xfrm>
+          <a:prstGeom prst="rect">
+            <a:avLst/>
+          </a:prstGeom>
+        </p:spPr>
+      </p:pic>
+      <p:sp>
+        <p:nvSpPr>
+          <p:cNvPr id="100" name="Rettangolo arrotondato 9"/>
+          <p:cNvSpPr>
+            <a:spLocks noChangeArrowheads="1"/>
+          </p:cNvSpPr>
+          <p:nvPr/>
+        </p:nvSpPr>
+        <p:spPr bwMode="auto">
+          <a:xfrm>
+            <a:off x="3998882" y="4007399"/>
+            <a:ext cx="254555" cy="205430"/>
+          </a:xfrm>
+          <a:prstGeom prst="roundRect">
+            <a:avLst>
+              <a:gd name="adj" fmla="val 16667"/>
+            </a:avLst>
+          </a:prstGeom>
+          <a:solidFill>
+            <a:srgbClr val="E1FFE2"/>
+          </a:solidFill>
+          <a:ln w="25400">
+            <a:solidFill>
+              <a:srgbClr val="007003"/>
+            </a:solidFill>
+            <a:round/>
+            <a:headEnd/>
+            <a:tailEnd/>
+          </a:ln>
+        </p:spPr>
+        <p:txBody>
+          <a:bodyPr wrap="none" lIns="91430" tIns="45715" rIns="91430" bIns="45715" anchor="ctr" anchorCtr="0">
+            <a:noAutofit/>
+          </a:bodyPr>
+          <a:lstStyle/>
+          <a:p>
+            <a:pPr algn="ctr"/>
+            <a:r>
+              <a:rPr lang="it-IT" sz="1200" u="none" dirty="0">
+                <a:solidFill>
+                  <a:srgbClr val="007003"/>
+                </a:solidFill>
+                <a:latin typeface="Calibri" charset="0"/>
+                <a:ea typeface="MS PGothic" charset="0"/>
+                <a:cs typeface="MS PGothic" charset="0"/>
+              </a:rPr>
+              <a:t>KP</a:t>
+            </a:r>
+          </a:p>
+        </p:txBody>
+      </p:sp>
+      <p:sp>
+        <p:nvSpPr>
+          <p:cNvPr id="101" name="Rettangolo arrotondato 13"/>
+          <p:cNvSpPr>
+            <a:spLocks noChangeArrowheads="1"/>
+          </p:cNvSpPr>
+          <p:nvPr/>
+        </p:nvSpPr>
+        <p:spPr bwMode="auto">
+          <a:xfrm>
+            <a:off x="3997756" y="3752543"/>
+            <a:ext cx="255681" cy="205430"/>
+          </a:xfrm>
+          <a:prstGeom prst="roundRect">
+            <a:avLst>
+              <a:gd name="adj" fmla="val 16667"/>
+            </a:avLst>
+          </a:prstGeom>
+          <a:solidFill>
+            <a:srgbClr val="DBEEF4"/>
+          </a:solidFill>
+          <a:ln w="25400">
+            <a:solidFill>
+              <a:srgbClr val="215968"/>
+            </a:solidFill>
+            <a:round/>
+            <a:headEnd/>
+            <a:tailEnd/>
+          </a:ln>
+        </p:spPr>
+        <p:txBody>
+          <a:bodyPr wrap="none" lIns="17998" tIns="45715" rIns="17998" bIns="45715" anchor="ctr"/>
+          <a:lstStyle/>
+          <a:p>
+            <a:pPr algn="ctr"/>
+            <a:r>
+              <a:rPr lang="it-IT" sz="1200" u="none" dirty="0">
+                <a:solidFill>
+                  <a:srgbClr val="215968"/>
+                </a:solidFill>
+                <a:latin typeface="Calibri" charset="0"/>
+                <a:ea typeface="MS PGothic" charset="0"/>
+                <a:cs typeface="MS PGothic" charset="0"/>
+              </a:rPr>
+              <a:t>KP</a:t>
+            </a:r>
+            <a:endParaRPr lang="it-IT" sz="1200" u="none" dirty="0">
+              <a:solidFill>
+                <a:srgbClr val="4F6228"/>
+              </a:solidFill>
+              <a:latin typeface="Calibri" charset="0"/>
+              <a:ea typeface="MS PGothic" charset="0"/>
+              <a:cs typeface="MS PGothic" charset="0"/>
+            </a:endParaRPr>
+          </a:p>
+        </p:txBody>
+      </p:sp>
+      <p:sp>
+        <p:nvSpPr>
+          <p:cNvPr id="102" name="CasellaDiTesto 101"/>
+          <p:cNvSpPr txBox="1"/>
+          <p:nvPr/>
+        </p:nvSpPr>
+        <p:spPr>
+          <a:xfrm>
+            <a:off x="4253435" y="4006800"/>
+            <a:ext cx="1246399" cy="253916"/>
+          </a:xfrm>
+          <a:prstGeom prst="rect">
+            <a:avLst/>
+          </a:prstGeom>
+          <a:noFill/>
+        </p:spPr>
+        <p:txBody>
+          <a:bodyPr wrap="square" rtlCol="0">
+            <a:spAutoFit/>
+          </a:bodyPr>
+          <a:lstStyle/>
+          <a:p>
+            <a:r>
+              <a:rPr lang="it-IT" sz="1050" u="none" dirty="0" err="1" smtClean="0"/>
+              <a:t>Waiting</a:t>
+            </a:r>
+            <a:r>
+              <a:rPr lang="it-IT" sz="1050" u="none" dirty="0" smtClean="0"/>
+              <a:t> </a:t>
+            </a:r>
+            <a:r>
+              <a:rPr lang="it-IT" sz="1050" u="none" dirty="0" err="1" smtClean="0"/>
+              <a:t>opponent</a:t>
+            </a:r>
+            <a:endParaRPr lang="it-IT" sz="1050" u="none" dirty="0"/>
+          </a:p>
+        </p:txBody>
+      </p:sp>
+      <p:sp>
+        <p:nvSpPr>
+          <p:cNvPr id="103" name="CasellaDiTesto 102"/>
+          <p:cNvSpPr txBox="1"/>
+          <p:nvPr/>
+        </p:nvSpPr>
+        <p:spPr>
+          <a:xfrm>
+            <a:off x="4253435" y="3723466"/>
+            <a:ext cx="780983" cy="253916"/>
+          </a:xfrm>
+          <a:prstGeom prst="rect">
+            <a:avLst/>
+          </a:prstGeom>
+          <a:noFill/>
+        </p:spPr>
+        <p:txBody>
+          <a:bodyPr wrap="none" rtlCol="0">
+            <a:spAutoFit/>
+          </a:bodyPr>
+          <a:lstStyle/>
+          <a:p>
+            <a:r>
+              <a:rPr lang="it-IT" sz="1050" u="none" dirty="0" smtClean="0"/>
+              <a:t>Start game</a:t>
+            </a:r>
+            <a:endParaRPr lang="it-IT" sz="1050" u="none" dirty="0"/>
+          </a:p>
+        </p:txBody>
+      </p:sp>
+      <p:sp>
+        <p:nvSpPr>
+          <p:cNvPr id="105" name="Rettangolo arrotondato 9"/>
+          <p:cNvSpPr>
+            <a:spLocks noChangeArrowheads="1"/>
+          </p:cNvSpPr>
+          <p:nvPr/>
+        </p:nvSpPr>
+        <p:spPr bwMode="auto">
+          <a:xfrm>
+            <a:off x="5741332" y="4006800"/>
+            <a:ext cx="254555" cy="205430"/>
+          </a:xfrm>
+          <a:prstGeom prst="roundRect">
+            <a:avLst>
+              <a:gd name="adj" fmla="val 16667"/>
+            </a:avLst>
+          </a:prstGeom>
+          <a:solidFill>
+            <a:srgbClr val="E1FFE2"/>
+          </a:solidFill>
+          <a:ln w="25400">
+            <a:solidFill>
+              <a:srgbClr val="007003"/>
+            </a:solidFill>
+            <a:round/>
+            <a:headEnd/>
+            <a:tailEnd/>
+          </a:ln>
+        </p:spPr>
+        <p:txBody>
+          <a:bodyPr wrap="none" lIns="91430" tIns="45715" rIns="91430" bIns="45715" anchor="ctr" anchorCtr="0">
+            <a:noAutofit/>
+          </a:bodyPr>
+          <a:lstStyle/>
+          <a:p>
+            <a:pPr algn="ctr"/>
+            <a:r>
+              <a:rPr lang="it-IT" sz="1200" u="none" dirty="0">
+                <a:solidFill>
+                  <a:srgbClr val="007003"/>
+                </a:solidFill>
+                <a:latin typeface="Calibri" charset="0"/>
+                <a:ea typeface="MS PGothic" charset="0"/>
+                <a:cs typeface="MS PGothic" charset="0"/>
+              </a:rPr>
+              <a:t>KP</a:t>
+            </a:r>
+          </a:p>
+        </p:txBody>
+      </p:sp>
+      <p:sp>
+        <p:nvSpPr>
+          <p:cNvPr id="106" name="Rettangolo arrotondato 13"/>
+          <p:cNvSpPr>
+            <a:spLocks noChangeArrowheads="1"/>
+          </p:cNvSpPr>
+          <p:nvPr/>
+        </p:nvSpPr>
+        <p:spPr bwMode="auto">
+          <a:xfrm>
+            <a:off x="5742825" y="3751200"/>
+            <a:ext cx="255681" cy="205430"/>
+          </a:xfrm>
+          <a:prstGeom prst="roundRect">
+            <a:avLst>
+              <a:gd name="adj" fmla="val 16667"/>
+            </a:avLst>
+          </a:prstGeom>
+          <a:solidFill>
+            <a:srgbClr val="DBEEF4"/>
+          </a:solidFill>
+          <a:ln w="25400">
+            <a:solidFill>
+              <a:srgbClr val="215968"/>
+            </a:solidFill>
+            <a:round/>
+            <a:headEnd/>
+            <a:tailEnd/>
+          </a:ln>
+        </p:spPr>
+        <p:txBody>
+          <a:bodyPr wrap="none" lIns="17998" tIns="45715" rIns="17998" bIns="45715" anchor="ctr"/>
+          <a:lstStyle/>
+          <a:p>
+            <a:pPr algn="ctr"/>
+            <a:r>
+              <a:rPr lang="it-IT" sz="1200" u="none" dirty="0">
+                <a:solidFill>
+                  <a:srgbClr val="215968"/>
+                </a:solidFill>
+                <a:latin typeface="Calibri" charset="0"/>
+                <a:ea typeface="MS PGothic" charset="0"/>
+                <a:cs typeface="MS PGothic" charset="0"/>
+              </a:rPr>
+              <a:t>KP</a:t>
+            </a:r>
+            <a:endParaRPr lang="it-IT" sz="1200" u="none" dirty="0">
+              <a:solidFill>
+                <a:srgbClr val="4F6228"/>
+              </a:solidFill>
+              <a:latin typeface="Calibri" charset="0"/>
+              <a:ea typeface="MS PGothic" charset="0"/>
+              <a:cs typeface="MS PGothic" charset="0"/>
+            </a:endParaRPr>
+          </a:p>
+        </p:txBody>
+      </p:sp>
+      <p:sp>
+        <p:nvSpPr>
+          <p:cNvPr id="107" name="CasellaDiTesto 106"/>
+          <p:cNvSpPr txBox="1"/>
+          <p:nvPr/>
+        </p:nvSpPr>
+        <p:spPr>
+          <a:xfrm>
+            <a:off x="5995885" y="4006800"/>
+            <a:ext cx="1246399" cy="253916"/>
+          </a:xfrm>
+          <a:prstGeom prst="rect">
+            <a:avLst/>
+          </a:prstGeom>
+          <a:noFill/>
+        </p:spPr>
+        <p:txBody>
+          <a:bodyPr wrap="square" rtlCol="0">
+            <a:spAutoFit/>
+          </a:bodyPr>
+          <a:lstStyle/>
+          <a:p>
+            <a:r>
+              <a:rPr lang="it-IT" sz="1050" u="none" dirty="0" err="1" smtClean="0"/>
+              <a:t>Waiting</a:t>
+            </a:r>
+            <a:r>
+              <a:rPr lang="it-IT" sz="1050" u="none" dirty="0" smtClean="0"/>
+              <a:t> </a:t>
+            </a:r>
+            <a:r>
+              <a:rPr lang="it-IT" sz="1050" u="none" dirty="0" smtClean="0"/>
+              <a:t>games</a:t>
+            </a:r>
+            <a:endParaRPr lang="it-IT" sz="1050" u="none" dirty="0"/>
+          </a:p>
+        </p:txBody>
+      </p:sp>
+      <p:sp>
+        <p:nvSpPr>
+          <p:cNvPr id="108" name="CasellaDiTesto 107"/>
+          <p:cNvSpPr txBox="1"/>
+          <p:nvPr/>
+        </p:nvSpPr>
+        <p:spPr>
+          <a:xfrm>
+            <a:off x="5995887" y="3722400"/>
+            <a:ext cx="732893" cy="253916"/>
+          </a:xfrm>
+          <a:prstGeom prst="rect">
+            <a:avLst/>
+          </a:prstGeom>
+          <a:noFill/>
+        </p:spPr>
+        <p:txBody>
+          <a:bodyPr wrap="none" rtlCol="0">
+            <a:spAutoFit/>
+          </a:bodyPr>
+          <a:lstStyle/>
+          <a:p>
+            <a:r>
+              <a:rPr lang="it-IT" sz="1050" dirty="0" smtClean="0"/>
+              <a:t>Join</a:t>
+            </a:r>
+            <a:r>
+              <a:rPr lang="it-IT" sz="1050" u="none" dirty="0" smtClean="0"/>
+              <a:t> </a:t>
+            </a:r>
+            <a:r>
+              <a:rPr lang="it-IT" sz="1050" u="none" dirty="0" smtClean="0"/>
+              <a:t>game</a:t>
+            </a:r>
+            <a:endParaRPr lang="it-IT" sz="1050" u="none" dirty="0"/>
+          </a:p>
+        </p:txBody>
+      </p:sp>
+      <p:sp>
+        <p:nvSpPr>
+          <p:cNvPr id="109" name="Rettangolo arrotondato 9"/>
+          <p:cNvSpPr>
+            <a:spLocks noChangeArrowheads="1"/>
+          </p:cNvSpPr>
+          <p:nvPr/>
+        </p:nvSpPr>
+        <p:spPr bwMode="auto">
+          <a:xfrm>
+            <a:off x="7467729" y="4006800"/>
+            <a:ext cx="254555" cy="205430"/>
+          </a:xfrm>
+          <a:prstGeom prst="roundRect">
+            <a:avLst>
+              <a:gd name="adj" fmla="val 16667"/>
+            </a:avLst>
+          </a:prstGeom>
+          <a:solidFill>
+            <a:srgbClr val="E1FFE2"/>
+          </a:solidFill>
+          <a:ln w="25400">
+            <a:solidFill>
+              <a:srgbClr val="007003"/>
+            </a:solidFill>
+            <a:round/>
+            <a:headEnd/>
+            <a:tailEnd/>
+          </a:ln>
+        </p:spPr>
+        <p:txBody>
+          <a:bodyPr wrap="none" lIns="91430" tIns="45715" rIns="91430" bIns="45715" anchor="ctr" anchorCtr="0">
+            <a:noAutofit/>
+          </a:bodyPr>
+          <a:lstStyle/>
+          <a:p>
+            <a:pPr algn="ctr"/>
+            <a:r>
+              <a:rPr lang="it-IT" sz="1200" u="none" dirty="0">
+                <a:solidFill>
+                  <a:srgbClr val="007003"/>
+                </a:solidFill>
+                <a:latin typeface="Calibri" charset="0"/>
+                <a:ea typeface="MS PGothic" charset="0"/>
+                <a:cs typeface="MS PGothic" charset="0"/>
+              </a:rPr>
+              <a:t>KP</a:t>
+            </a:r>
+          </a:p>
+        </p:txBody>
+      </p:sp>
+      <p:sp>
+        <p:nvSpPr>
+          <p:cNvPr id="110" name="Rettangolo arrotondato 13"/>
+          <p:cNvSpPr>
+            <a:spLocks noChangeArrowheads="1"/>
+          </p:cNvSpPr>
+          <p:nvPr/>
+        </p:nvSpPr>
+        <p:spPr bwMode="auto">
+          <a:xfrm>
+            <a:off x="7472921" y="3751200"/>
+            <a:ext cx="255681" cy="205430"/>
+          </a:xfrm>
+          <a:prstGeom prst="roundRect">
+            <a:avLst>
+              <a:gd name="adj" fmla="val 16667"/>
+            </a:avLst>
+          </a:prstGeom>
+          <a:solidFill>
+            <a:srgbClr val="DBEEF4"/>
+          </a:solidFill>
+          <a:ln w="25400">
+            <a:solidFill>
+              <a:srgbClr val="215968"/>
+            </a:solidFill>
+            <a:round/>
+            <a:headEnd/>
+            <a:tailEnd/>
+          </a:ln>
+        </p:spPr>
+        <p:txBody>
+          <a:bodyPr wrap="none" lIns="17998" tIns="45715" rIns="17998" bIns="45715" anchor="ctr"/>
+          <a:lstStyle/>
+          <a:p>
+            <a:pPr algn="ctr"/>
+            <a:r>
+              <a:rPr lang="it-IT" sz="1200" u="none" dirty="0">
+                <a:solidFill>
+                  <a:srgbClr val="215968"/>
+                </a:solidFill>
+                <a:latin typeface="Calibri" charset="0"/>
+                <a:ea typeface="MS PGothic" charset="0"/>
+                <a:cs typeface="MS PGothic" charset="0"/>
+              </a:rPr>
+              <a:t>KP</a:t>
+            </a:r>
+            <a:endParaRPr lang="it-IT" sz="1200" u="none" dirty="0">
+              <a:solidFill>
+                <a:srgbClr val="4F6228"/>
+              </a:solidFill>
+              <a:latin typeface="Calibri" charset="0"/>
+              <a:ea typeface="MS PGothic" charset="0"/>
+              <a:cs typeface="MS PGothic" charset="0"/>
+            </a:endParaRPr>
+          </a:p>
+        </p:txBody>
+      </p:sp>
+      <p:sp>
+        <p:nvSpPr>
+          <p:cNvPr id="111" name="CasellaDiTesto 110"/>
+          <p:cNvSpPr txBox="1"/>
+          <p:nvPr/>
+        </p:nvSpPr>
+        <p:spPr>
+          <a:xfrm>
+            <a:off x="7722284" y="4006800"/>
+            <a:ext cx="1246399" cy="253916"/>
+          </a:xfrm>
+          <a:prstGeom prst="rect">
+            <a:avLst/>
+          </a:prstGeom>
+          <a:noFill/>
+        </p:spPr>
+        <p:txBody>
+          <a:bodyPr wrap="square" rtlCol="0">
+            <a:spAutoFit/>
+          </a:bodyPr>
+          <a:lstStyle/>
+          <a:p>
+            <a:r>
+              <a:rPr lang="it-IT" sz="1050" u="none" dirty="0" err="1" smtClean="0"/>
+              <a:t>Waiting</a:t>
+            </a:r>
+            <a:r>
+              <a:rPr lang="it-IT" sz="1050" u="none" dirty="0" smtClean="0"/>
+              <a:t> </a:t>
+            </a:r>
+            <a:r>
+              <a:rPr lang="it-IT" sz="1050" dirty="0" smtClean="0"/>
+              <a:t>hit</a:t>
+            </a:r>
+            <a:endParaRPr lang="it-IT" sz="1050" u="none" dirty="0"/>
+          </a:p>
+        </p:txBody>
+      </p:sp>
+      <p:sp>
+        <p:nvSpPr>
+          <p:cNvPr id="112" name="CasellaDiTesto 111"/>
+          <p:cNvSpPr txBox="1"/>
+          <p:nvPr/>
+        </p:nvSpPr>
+        <p:spPr>
+          <a:xfrm>
+            <a:off x="7728602" y="3723773"/>
+            <a:ext cx="631904" cy="253916"/>
+          </a:xfrm>
+          <a:prstGeom prst="rect">
+            <a:avLst/>
+          </a:prstGeom>
+          <a:noFill/>
+        </p:spPr>
+        <p:txBody>
+          <a:bodyPr wrap="none" rtlCol="0">
+            <a:spAutoFit/>
+          </a:bodyPr>
+          <a:lstStyle/>
+          <a:p>
+            <a:r>
+              <a:rPr lang="it-IT" sz="1050" u="none" dirty="0" err="1" smtClean="0"/>
+              <a:t>Send</a:t>
+            </a:r>
+            <a:r>
+              <a:rPr lang="it-IT" sz="1050" u="none" dirty="0" smtClean="0"/>
+              <a:t> hit</a:t>
+            </a:r>
+            <a:endParaRPr lang="it-IT" sz="1050" u="none" dirty="0"/>
+          </a:p>
+        </p:txBody>
+      </p:sp>
+      <p:sp>
+        <p:nvSpPr>
+          <p:cNvPr id="113" name="Rettangolo arrotondato 9"/>
+          <p:cNvSpPr>
+            <a:spLocks noChangeArrowheads="1"/>
+          </p:cNvSpPr>
+          <p:nvPr/>
+        </p:nvSpPr>
+        <p:spPr bwMode="auto">
+          <a:xfrm>
+            <a:off x="7607419" y="5612328"/>
+            <a:ext cx="254555" cy="205430"/>
+          </a:xfrm>
+          <a:prstGeom prst="roundRect">
+            <a:avLst>
+              <a:gd name="adj" fmla="val 16667"/>
+            </a:avLst>
+          </a:prstGeom>
+          <a:solidFill>
+            <a:srgbClr val="E1FFE2"/>
+          </a:solidFill>
+          <a:ln w="25400">
+            <a:solidFill>
+              <a:srgbClr val="007003"/>
+            </a:solidFill>
+            <a:round/>
+            <a:headEnd/>
+            <a:tailEnd/>
+          </a:ln>
+        </p:spPr>
+        <p:txBody>
+          <a:bodyPr wrap="none" lIns="91430" tIns="45715" rIns="91430" bIns="45715" anchor="ctr" anchorCtr="0">
+            <a:noAutofit/>
+          </a:bodyPr>
+          <a:lstStyle/>
+          <a:p>
+            <a:pPr algn="ctr"/>
+            <a:r>
+              <a:rPr lang="it-IT" sz="1200" u="none" dirty="0">
+                <a:solidFill>
+                  <a:srgbClr val="007003"/>
+                </a:solidFill>
+                <a:latin typeface="Calibri" charset="0"/>
+                <a:ea typeface="MS PGothic" charset="0"/>
+                <a:cs typeface="MS PGothic" charset="0"/>
+              </a:rPr>
+              <a:t>KP</a:t>
+            </a:r>
+          </a:p>
+        </p:txBody>
+      </p:sp>
+      <p:sp>
+        <p:nvSpPr>
+          <p:cNvPr id="114" name="Rettangolo arrotondato 13"/>
+          <p:cNvSpPr>
+            <a:spLocks noChangeArrowheads="1"/>
+          </p:cNvSpPr>
+          <p:nvPr/>
+        </p:nvSpPr>
+        <p:spPr bwMode="auto">
+          <a:xfrm>
+            <a:off x="7606293" y="5357472"/>
+            <a:ext cx="255681" cy="205430"/>
+          </a:xfrm>
+          <a:prstGeom prst="roundRect">
+            <a:avLst>
+              <a:gd name="adj" fmla="val 16667"/>
+            </a:avLst>
+          </a:prstGeom>
+          <a:solidFill>
+            <a:srgbClr val="DBEEF4"/>
+          </a:solidFill>
+          <a:ln w="25400">
+            <a:solidFill>
+              <a:srgbClr val="215968"/>
+            </a:solidFill>
+            <a:round/>
+            <a:headEnd/>
+            <a:tailEnd/>
+          </a:ln>
+        </p:spPr>
+        <p:txBody>
+          <a:bodyPr wrap="none" lIns="17998" tIns="45715" rIns="17998" bIns="45715" anchor="ctr"/>
+          <a:lstStyle/>
+          <a:p>
+            <a:pPr algn="ctr"/>
+            <a:r>
+              <a:rPr lang="it-IT" sz="1200" u="none" dirty="0">
+                <a:solidFill>
+                  <a:srgbClr val="215968"/>
+                </a:solidFill>
+                <a:latin typeface="Calibri" charset="0"/>
+                <a:ea typeface="MS PGothic" charset="0"/>
+                <a:cs typeface="MS PGothic" charset="0"/>
+              </a:rPr>
+              <a:t>KP</a:t>
+            </a:r>
+            <a:endParaRPr lang="it-IT" sz="1200" u="none" dirty="0">
+              <a:solidFill>
+                <a:srgbClr val="4F6228"/>
+              </a:solidFill>
+              <a:latin typeface="Calibri" charset="0"/>
+              <a:ea typeface="MS PGothic" charset="0"/>
+              <a:cs typeface="MS PGothic" charset="0"/>
+            </a:endParaRPr>
+          </a:p>
+        </p:txBody>
+      </p:sp>
+      <p:sp>
+        <p:nvSpPr>
+          <p:cNvPr id="115" name="CasellaDiTesto 114"/>
+          <p:cNvSpPr txBox="1"/>
+          <p:nvPr/>
+        </p:nvSpPr>
+        <p:spPr>
+          <a:xfrm>
+            <a:off x="7861972" y="5588085"/>
+            <a:ext cx="1246399" cy="253916"/>
+          </a:xfrm>
+          <a:prstGeom prst="rect">
+            <a:avLst/>
+          </a:prstGeom>
+          <a:noFill/>
+        </p:spPr>
+        <p:txBody>
+          <a:bodyPr wrap="square" rtlCol="0">
+            <a:spAutoFit/>
+          </a:bodyPr>
+          <a:lstStyle/>
+          <a:p>
+            <a:r>
+              <a:rPr lang="it-IT" sz="1050" u="none" dirty="0" err="1" smtClean="0"/>
+              <a:t>Ending</a:t>
+            </a:r>
+            <a:r>
+              <a:rPr lang="it-IT" sz="1050" u="none" dirty="0" smtClean="0"/>
+              <a:t> games</a:t>
+            </a:r>
+            <a:endParaRPr lang="it-IT" sz="1050" u="none" dirty="0"/>
+          </a:p>
+        </p:txBody>
+      </p:sp>
+      <p:sp>
+        <p:nvSpPr>
+          <p:cNvPr id="116" name="CasellaDiTesto 115"/>
+          <p:cNvSpPr txBox="1"/>
+          <p:nvPr/>
+        </p:nvSpPr>
+        <p:spPr>
+          <a:xfrm>
+            <a:off x="7861974" y="5346972"/>
+            <a:ext cx="878767" cy="253916"/>
+          </a:xfrm>
+          <a:prstGeom prst="rect">
+            <a:avLst/>
+          </a:prstGeom>
+          <a:noFill/>
+        </p:spPr>
+        <p:txBody>
+          <a:bodyPr wrap="none" rtlCol="0">
+            <a:spAutoFit/>
+          </a:bodyPr>
+          <a:lstStyle/>
+          <a:p>
+            <a:r>
+              <a:rPr lang="it-IT" sz="1050" u="none" dirty="0" smtClean="0"/>
+              <a:t>Delete game</a:t>
+            </a:r>
+            <a:endParaRPr lang="it-IT" sz="1050" u="none" dirty="0"/>
+          </a:p>
+        </p:txBody>
+      </p:sp>
+      <p:pic>
+        <p:nvPicPr>
+          <p:cNvPr id="120" name="Immagine 119"/>
+          <p:cNvPicPr>
+            <a:picLocks noChangeAspect="1"/>
+          </p:cNvPicPr>
+          <p:nvPr/>
+        </p:nvPicPr>
+        <p:blipFill>
+          <a:blip r:embed="rId3">
+            <a:extLst>
+              <a:ext uri="{28A0092B-C50C-407E-A947-70E740481C1C}">
+                <a14:useLocalDpi xmlns:a14="http://schemas.microsoft.com/office/drawing/2010/main" val="0"/>
+              </a:ext>
+            </a:extLst>
+          </a:blip>
+          <a:stretch>
+            <a:fillRect/>
+          </a:stretch>
+        </p:blipFill>
+        <p:spPr>
+          <a:xfrm>
+            <a:off x="2267661" y="1591671"/>
+            <a:ext cx="722493" cy="842909"/>
+          </a:xfrm>
+          <a:prstGeom prst="rect">
+            <a:avLst/>
+          </a:prstGeom>
+        </p:spPr>
+      </p:pic>
+      <p:pic>
+        <p:nvPicPr>
+          <p:cNvPr id="121" name="Immagine 120"/>
+          <p:cNvPicPr>
+            <a:picLocks noChangeAspect="1"/>
+          </p:cNvPicPr>
+          <p:nvPr/>
+        </p:nvPicPr>
+        <p:blipFill>
+          <a:blip r:embed="rId3">
+            <a:extLst>
+              <a:ext uri="{28A0092B-C50C-407E-A947-70E740481C1C}">
+                <a14:useLocalDpi xmlns:a14="http://schemas.microsoft.com/office/drawing/2010/main" val="0"/>
+              </a:ext>
+            </a:extLst>
+          </a:blip>
+          <a:stretch>
+            <a:fillRect/>
+          </a:stretch>
+        </p:blipFill>
+        <p:spPr>
+          <a:xfrm>
+            <a:off x="467107" y="1636074"/>
+            <a:ext cx="722493" cy="842909"/>
+          </a:xfrm>
+          <a:prstGeom prst="rect">
+            <a:avLst/>
+          </a:prstGeom>
+        </p:spPr>
+      </p:pic>
+      <p:sp>
+        <p:nvSpPr>
+          <p:cNvPr id="122" name="Text Box 4"/>
+          <p:cNvSpPr txBox="1">
+            <a:spLocks noChangeArrowheads="1"/>
+          </p:cNvSpPr>
+          <p:nvPr/>
+        </p:nvSpPr>
+        <p:spPr bwMode="auto">
+          <a:xfrm>
+            <a:off x="2772409" y="2135661"/>
+            <a:ext cx="1008112" cy="298919"/>
+          </a:xfrm>
+          <a:prstGeom prst="rect">
+            <a:avLst/>
+          </a:prstGeom>
+          <a:noFill/>
+          <a:ln w="9525">
+            <a:noFill/>
+            <a:miter lim="800000"/>
+            <a:headEnd/>
+            <a:tailEnd/>
+          </a:ln>
+        </p:spPr>
+        <p:txBody>
+          <a:bodyPr wrap="square" lIns="82667" tIns="41334" rIns="82667" bIns="41334">
+            <a:spAutoFit/>
+          </a:bodyPr>
+          <a:lstStyle/>
+          <a:p>
+            <a:pPr algn="ctr" defTabSz="857250">
+              <a:spcBef>
+                <a:spcPct val="50000"/>
+              </a:spcBef>
+              <a:defRPr/>
+            </a:pPr>
+            <a:r>
+              <a:rPr lang="en-US" sz="1400" b="1" u="none" dirty="0" smtClean="0">
+                <a:solidFill>
+                  <a:srgbClr val="000099"/>
+                </a:solidFill>
+                <a:effectLst>
+                  <a:outerShdw blurRad="38100" dist="38100" dir="2700000" algn="tl">
+                    <a:srgbClr val="C0C0C0"/>
+                  </a:outerShdw>
+                </a:effectLst>
+                <a:ea typeface="굴림" pitchFamily="34" charset="-127"/>
+                <a:cs typeface="+mn-cs"/>
+              </a:rPr>
+              <a:t>Player 4</a:t>
+            </a:r>
+          </a:p>
+        </p:txBody>
+      </p:sp>
+      <p:sp>
+        <p:nvSpPr>
+          <p:cNvPr id="123" name="Text Box 4"/>
+          <p:cNvSpPr txBox="1">
+            <a:spLocks noChangeArrowheads="1"/>
+          </p:cNvSpPr>
+          <p:nvPr/>
+        </p:nvSpPr>
+        <p:spPr bwMode="auto">
+          <a:xfrm>
+            <a:off x="1060181" y="2180064"/>
+            <a:ext cx="1008112" cy="298919"/>
+          </a:xfrm>
+          <a:prstGeom prst="rect">
+            <a:avLst/>
+          </a:prstGeom>
+          <a:noFill/>
+          <a:ln w="9525">
+            <a:noFill/>
+            <a:miter lim="800000"/>
+            <a:headEnd/>
+            <a:tailEnd/>
+          </a:ln>
+        </p:spPr>
+        <p:txBody>
+          <a:bodyPr wrap="square" lIns="82667" tIns="41334" rIns="82667" bIns="41334">
+            <a:spAutoFit/>
+          </a:bodyPr>
+          <a:lstStyle/>
+          <a:p>
+            <a:pPr algn="ctr" defTabSz="857250">
+              <a:spcBef>
+                <a:spcPct val="50000"/>
+              </a:spcBef>
+              <a:defRPr/>
+            </a:pPr>
+            <a:r>
+              <a:rPr lang="en-US" sz="1400" b="1" u="none" dirty="0" smtClean="0">
+                <a:solidFill>
+                  <a:srgbClr val="000099"/>
+                </a:solidFill>
+                <a:effectLst>
+                  <a:outerShdw blurRad="38100" dist="38100" dir="2700000" algn="tl">
+                    <a:srgbClr val="C0C0C0"/>
+                  </a:outerShdw>
+                </a:effectLst>
+                <a:ea typeface="굴림" pitchFamily="34" charset="-127"/>
+                <a:cs typeface="+mn-cs"/>
+              </a:rPr>
+              <a:t>Player 3</a:t>
+            </a:r>
+          </a:p>
+        </p:txBody>
+      </p:sp>
+      <p:cxnSp>
+        <p:nvCxnSpPr>
+          <p:cNvPr id="125" name="Connettore 2 124"/>
+          <p:cNvCxnSpPr>
+            <a:stCxn id="121" idx="2"/>
+          </p:cNvCxnSpPr>
+          <p:nvPr/>
+        </p:nvCxnSpPr>
+        <p:spPr>
+          <a:xfrm>
+            <a:off x="828354" y="2478983"/>
+            <a:ext cx="613647" cy="491744"/>
+          </a:xfrm>
+          <a:prstGeom prst="straightConnector1">
+            <a:avLst/>
+          </a:prstGeom>
+          <a:ln>
+            <a:solidFill>
+              <a:schemeClr val="tx1"/>
+            </a:solidFill>
+            <a:headEnd type="triangle"/>
+            <a:tailEnd type="triangle"/>
+          </a:ln>
+        </p:spPr>
+        <p:style>
+          <a:lnRef idx="2">
+            <a:schemeClr val="accent1"/>
+          </a:lnRef>
+          <a:fillRef idx="0">
+            <a:schemeClr val="accent1"/>
+          </a:fillRef>
+          <a:effectRef idx="1">
+            <a:schemeClr val="accent1"/>
+          </a:effectRef>
+          <a:fontRef idx="minor">
+            <a:schemeClr val="tx1"/>
+          </a:fontRef>
+        </p:style>
+      </p:cxnSp>
+      <p:sp>
+        <p:nvSpPr>
+          <p:cNvPr id="128" name="Text Box 4"/>
+          <p:cNvSpPr txBox="1">
+            <a:spLocks noChangeArrowheads="1"/>
+          </p:cNvSpPr>
+          <p:nvPr/>
+        </p:nvSpPr>
+        <p:spPr bwMode="auto">
+          <a:xfrm>
+            <a:off x="1326417" y="5498282"/>
+            <a:ext cx="1008112" cy="298919"/>
+          </a:xfrm>
+          <a:prstGeom prst="rect">
+            <a:avLst/>
+          </a:prstGeom>
+          <a:noFill/>
+          <a:ln w="9525">
+            <a:noFill/>
+            <a:miter lim="800000"/>
+            <a:headEnd/>
+            <a:tailEnd/>
+          </a:ln>
+        </p:spPr>
+        <p:txBody>
+          <a:bodyPr wrap="square" lIns="82667" tIns="41334" rIns="82667" bIns="41334">
+            <a:spAutoFit/>
+          </a:bodyPr>
+          <a:lstStyle/>
+          <a:p>
+            <a:pPr algn="ctr" defTabSz="857250">
+              <a:spcBef>
+                <a:spcPct val="50000"/>
+              </a:spcBef>
+              <a:defRPr/>
+            </a:pPr>
+            <a:r>
+              <a:rPr lang="en-US" sz="1400" b="1" u="none" dirty="0" smtClean="0">
+                <a:solidFill>
+                  <a:srgbClr val="FF0000"/>
+                </a:solidFill>
+                <a:effectLst>
+                  <a:outerShdw blurRad="38100" dist="38100" dir="2700000" algn="tl">
+                    <a:srgbClr val="C0C0C0"/>
+                  </a:outerShdw>
+                </a:effectLst>
+                <a:ea typeface="굴림" pitchFamily="34" charset="-127"/>
+                <a:cs typeface="+mn-cs"/>
+              </a:rPr>
+              <a:t>Game 1</a:t>
+            </a:r>
+          </a:p>
+        </p:txBody>
+      </p:sp>
+      <p:sp>
+        <p:nvSpPr>
+          <p:cNvPr id="129" name="Text Box 4"/>
+          <p:cNvSpPr txBox="1">
+            <a:spLocks noChangeArrowheads="1"/>
+          </p:cNvSpPr>
+          <p:nvPr/>
+        </p:nvSpPr>
+        <p:spPr bwMode="auto">
+          <a:xfrm>
+            <a:off x="1300917" y="1496853"/>
+            <a:ext cx="1008112" cy="298919"/>
+          </a:xfrm>
+          <a:prstGeom prst="rect">
+            <a:avLst/>
+          </a:prstGeom>
+          <a:noFill/>
+          <a:ln w="9525">
+            <a:noFill/>
+            <a:miter lim="800000"/>
+            <a:headEnd/>
+            <a:tailEnd/>
+          </a:ln>
+        </p:spPr>
+        <p:txBody>
+          <a:bodyPr wrap="square" lIns="82667" tIns="41334" rIns="82667" bIns="41334">
+            <a:spAutoFit/>
+          </a:bodyPr>
+          <a:lstStyle/>
+          <a:p>
+            <a:pPr algn="ctr" defTabSz="857250">
+              <a:spcBef>
+                <a:spcPct val="50000"/>
+              </a:spcBef>
+              <a:defRPr/>
+            </a:pPr>
+            <a:r>
+              <a:rPr lang="en-US" sz="1400" b="1" u="none" dirty="0" smtClean="0">
+                <a:solidFill>
+                  <a:srgbClr val="FF0000"/>
+                </a:solidFill>
+                <a:effectLst>
+                  <a:outerShdw blurRad="38100" dist="38100" dir="2700000" algn="tl">
+                    <a:srgbClr val="C0C0C0"/>
+                  </a:outerShdw>
+                </a:effectLst>
+                <a:ea typeface="굴림" pitchFamily="34" charset="-127"/>
+                <a:cs typeface="+mn-cs"/>
+              </a:rPr>
+              <a:t>Game 2</a:t>
+            </a:r>
+          </a:p>
+        </p:txBody>
+      </p:sp>
+      <p:sp>
+        <p:nvSpPr>
+          <p:cNvPr id="130" name="Text Box 4"/>
+          <p:cNvSpPr txBox="1">
+            <a:spLocks noChangeArrowheads="1"/>
+          </p:cNvSpPr>
+          <p:nvPr/>
+        </p:nvSpPr>
+        <p:spPr bwMode="auto">
+          <a:xfrm>
+            <a:off x="168788" y="3195445"/>
+            <a:ext cx="1208972" cy="514362"/>
+          </a:xfrm>
+          <a:prstGeom prst="rect">
+            <a:avLst/>
+          </a:prstGeom>
+          <a:noFill/>
+          <a:ln w="9525">
+            <a:noFill/>
+            <a:miter lim="800000"/>
+            <a:headEnd/>
+            <a:tailEnd/>
+          </a:ln>
+        </p:spPr>
+        <p:txBody>
+          <a:bodyPr wrap="square" lIns="82667" tIns="41334" rIns="82667" bIns="41334">
+            <a:spAutoFit/>
+          </a:bodyPr>
+          <a:lstStyle/>
+          <a:p>
+            <a:pPr algn="ctr" defTabSz="857250">
+              <a:spcBef>
+                <a:spcPct val="50000"/>
+              </a:spcBef>
+              <a:defRPr/>
+            </a:pPr>
+            <a:r>
+              <a:rPr lang="en-US" sz="1400" b="1" u="none" dirty="0" smtClean="0">
+                <a:solidFill>
+                  <a:srgbClr val="FF0000"/>
+                </a:solidFill>
+                <a:effectLst>
+                  <a:outerShdw blurRad="38100" dist="38100" dir="2700000" algn="tl">
+                    <a:srgbClr val="C0C0C0"/>
+                  </a:outerShdw>
+                </a:effectLst>
+                <a:ea typeface="굴림" pitchFamily="34" charset="-127"/>
+                <a:cs typeface="+mn-cs"/>
+              </a:rPr>
+              <a:t>Waiting opponent…</a:t>
+            </a:r>
+          </a:p>
+        </p:txBody>
+      </p:sp>
+      <p:pic>
+        <p:nvPicPr>
+          <p:cNvPr id="136" name="Immagine 135"/>
+          <p:cNvPicPr>
+            <a:picLocks noChangeAspect="1"/>
+          </p:cNvPicPr>
+          <p:nvPr/>
+        </p:nvPicPr>
+        <p:blipFill>
+          <a:blip r:embed="rId8">
+            <a:extLst>
+              <a:ext uri="{28A0092B-C50C-407E-A947-70E740481C1C}">
+                <a14:useLocalDpi xmlns:a14="http://schemas.microsoft.com/office/drawing/2010/main" val="0"/>
+              </a:ext>
+            </a:extLst>
+          </a:blip>
+          <a:stretch>
+            <a:fillRect/>
+          </a:stretch>
+        </p:blipFill>
+        <p:spPr>
+          <a:xfrm>
+            <a:off x="3318568" y="-131324"/>
+            <a:ext cx="3923716" cy="1859171"/>
           </a:xfrm>
           <a:prstGeom prst="rect">
             <a:avLst/>
@@ -4736,7 +5915,7 @@
     </p:spTree>
     <p:extLst>
       <p:ext uri="{BB962C8B-B14F-4D97-AF65-F5344CB8AC3E}">
-        <p14:creationId xmlns:p14="http://schemas.microsoft.com/office/powerpoint/2010/main" val="3888683419"/>
+        <p14:creationId xmlns:p14="http://schemas.microsoft.com/office/powerpoint/2010/main" val="2382721028"/>
       </p:ext>
     </p:extLst>
   </p:cSld>
@@ -4746,7 +5925,7 @@
   <p:timing>
     <p:tnLst>
       <p:par>
-        <p:cTn xmlns:p14="http://schemas.microsoft.com/office/powerpoint/2010/main" id="1" dur="indefinite" restart="never" nodeType="tmRoot"/>
+        <p:cTn id="1" dur="indefinite" restart="never" nodeType="tmRoot"/>
       </p:par>
     </p:tnLst>
   </p:timing>
@@ -5071,4 +6250,289 @@
   </a:objectDefaults>
   <a:extraClrSchemeLst/>
 </a:theme>
+</file>
+
+<file path=ppt/theme/theme2.xml><?xml version="1.0" encoding="utf-8"?>
+<a:theme xmlns:a="http://schemas.openxmlformats.org/drawingml/2006/main" name="Tema di Office">
+  <a:themeElements>
+    <a:clrScheme name="Office">
+      <a:dk1>
+        <a:sysClr val="windowText" lastClr="000000"/>
+      </a:dk1>
+      <a:lt1>
+        <a:sysClr val="window" lastClr="FFFFFF"/>
+      </a:lt1>
+      <a:dk2>
+        <a:srgbClr val="1F497D"/>
+      </a:dk2>
+      <a:lt2>
+        <a:srgbClr val="EEECE1"/>
+      </a:lt2>
+      <a:accent1>
+        <a:srgbClr val="4F81BD"/>
+      </a:accent1>
+      <a:accent2>
+        <a:srgbClr val="C0504D"/>
+      </a:accent2>
+      <a:accent3>
+        <a:srgbClr val="9BBB59"/>
+      </a:accent3>
+      <a:accent4>
+        <a:srgbClr val="8064A2"/>
+      </a:accent4>
+      <a:accent5>
+        <a:srgbClr val="4BACC6"/>
+      </a:accent5>
+      <a:accent6>
+        <a:srgbClr val="F79646"/>
+      </a:accent6>
+      <a:hlink>
+        <a:srgbClr val="0000FF"/>
+      </a:hlink>
+      <a:folHlink>
+        <a:srgbClr val="800080"/>
+      </a:folHlink>
+    </a:clrScheme>
+    <a:fontScheme name="Office">
+      <a:majorFont>
+        <a:latin typeface="Calibri"/>
+        <a:ea typeface=""/>
+        <a:cs typeface=""/>
+        <a:font script="Jpan" typeface="ＭＳ Ｐゴシック"/>
+        <a:font script="Hang" typeface="맑은 고딕"/>
+        <a:font script="Hans" typeface="宋体"/>
+        <a:font script="Hant" typeface="新細明體"/>
+        <a:font script="Arab" typeface="Times New Roman"/>
+        <a:font script="Hebr" typeface="Times New Roman"/>
+        <a:font script="Thai" typeface="Angsana New"/>
+        <a:font script="Ethi" typeface="Nyala"/>
+        <a:font script="Beng" typeface="Vrinda"/>
+        <a:font script="Gujr" typeface="Shruti"/>
+        <a:font script="Khmr" typeface="MoolBoran"/>
+        <a:font script="Knda" typeface="Tunga"/>
+        <a:font script="Guru" typeface="Raavi"/>
+        <a:font script="Cans" typeface="Euphemia"/>
+        <a:font script="Cher" typeface="Plantagenet Cherokee"/>
+        <a:font script="Yiii" typeface="Microsoft Yi Baiti"/>
+        <a:font script="Tibt" typeface="Microsoft Himalaya"/>
+        <a:font script="Thaa" typeface="MV Boli"/>
+        <a:font script="Deva" typeface="Mangal"/>
+        <a:font script="Telu" typeface="Gautami"/>
+        <a:font script="Taml" typeface="Latha"/>
+        <a:font script="Syrc" typeface="Estrangelo Edessa"/>
+        <a:font script="Orya" typeface="Kalinga"/>
+        <a:font script="Mlym" typeface="Kartika"/>
+        <a:font script="Laoo" typeface="DokChampa"/>
+        <a:font script="Sinh" typeface="Iskoola Pota"/>
+        <a:font script="Mong" typeface="Mongolian Baiti"/>
+        <a:font script="Viet" typeface="Times New Roman"/>
+        <a:font script="Uigh" typeface="Microsoft Uighur"/>
+        <a:font script="Geor" typeface="Sylfaen"/>
+      </a:majorFont>
+      <a:minorFont>
+        <a:latin typeface="Calibri"/>
+        <a:ea typeface=""/>
+        <a:cs typeface=""/>
+        <a:font script="Jpan" typeface="ＭＳ Ｐゴシック"/>
+        <a:font script="Hang" typeface="맑은 고딕"/>
+        <a:font script="Hans" typeface="宋体"/>
+        <a:font script="Hant" typeface="新細明體"/>
+        <a:font script="Arab" typeface="Arial"/>
+        <a:font script="Hebr" typeface="Arial"/>
+        <a:font script="Thai" typeface="Cordia New"/>
+        <a:font script="Ethi" typeface="Nyala"/>
+        <a:font script="Beng" typeface="Vrinda"/>
+        <a:font script="Gujr" typeface="Shruti"/>
+        <a:font script="Khmr" typeface="DaunPenh"/>
+        <a:font script="Knda" typeface="Tunga"/>
+        <a:font script="Guru" typeface="Raavi"/>
+        <a:font script="Cans" typeface="Euphemia"/>
+        <a:font script="Cher" typeface="Plantagenet Cherokee"/>
+        <a:font script="Yiii" typeface="Microsoft Yi Baiti"/>
+        <a:font script="Tibt" typeface="Microsoft Himalaya"/>
+        <a:font script="Thaa" typeface="MV Boli"/>
+        <a:font script="Deva" typeface="Mangal"/>
+        <a:font script="Telu" typeface="Gautami"/>
+        <a:font script="Taml" typeface="Latha"/>
+        <a:font script="Syrc" typeface="Estrangelo Edessa"/>
+        <a:font script="Orya" typeface="Kalinga"/>
+        <a:font script="Mlym" typeface="Kartika"/>
+        <a:font script="Laoo" typeface="DokChampa"/>
+        <a:font script="Sinh" typeface="Iskoola Pota"/>
+        <a:font script="Mong" typeface="Mongolian Baiti"/>
+        <a:font script="Viet" typeface="Arial"/>
+        <a:font script="Uigh" typeface="Microsoft Uighur"/>
+        <a:font script="Geor" typeface="Sylfaen"/>
+      </a:minorFont>
+    </a:fontScheme>
+    <a:fmtScheme name="Office">
+      <a:fillStyleLst>
+        <a:solidFill>
+          <a:schemeClr val="phClr"/>
+        </a:solidFill>
+        <a:gradFill rotWithShape="1">
+          <a:gsLst>
+            <a:gs pos="0">
+              <a:schemeClr val="phClr">
+                <a:tint val="50000"/>
+                <a:satMod val="300000"/>
+              </a:schemeClr>
+            </a:gs>
+            <a:gs pos="35000">
+              <a:schemeClr val="phClr">
+                <a:tint val="37000"/>
+                <a:satMod val="300000"/>
+              </a:schemeClr>
+            </a:gs>
+            <a:gs pos="100000">
+              <a:schemeClr val="phClr">
+                <a:tint val="15000"/>
+                <a:satMod val="350000"/>
+              </a:schemeClr>
+            </a:gs>
+          </a:gsLst>
+          <a:lin ang="16200000" scaled="1"/>
+        </a:gradFill>
+        <a:gradFill rotWithShape="1">
+          <a:gsLst>
+            <a:gs pos="0">
+              <a:schemeClr val="phClr">
+                <a:shade val="51000"/>
+                <a:satMod val="130000"/>
+              </a:schemeClr>
+            </a:gs>
+            <a:gs pos="80000">
+              <a:schemeClr val="phClr">
+                <a:shade val="93000"/>
+                <a:satMod val="130000"/>
+              </a:schemeClr>
+            </a:gs>
+            <a:gs pos="100000">
+              <a:schemeClr val="phClr">
+                <a:shade val="94000"/>
+                <a:satMod val="135000"/>
+              </a:schemeClr>
+            </a:gs>
+          </a:gsLst>
+          <a:lin ang="16200000" scaled="0"/>
+        </a:gradFill>
+      </a:fillStyleLst>
+      <a:lnStyleLst>
+        <a:ln w="9525" cap="flat" cmpd="sng" algn="ctr">
+          <a:solidFill>
+            <a:schemeClr val="phClr">
+              <a:shade val="95000"/>
+              <a:satMod val="105000"/>
+            </a:schemeClr>
+          </a:solidFill>
+          <a:prstDash val="solid"/>
+        </a:ln>
+        <a:ln w="25400" cap="flat" cmpd="sng" algn="ctr">
+          <a:solidFill>
+            <a:schemeClr val="phClr"/>
+          </a:solidFill>
+          <a:prstDash val="solid"/>
+        </a:ln>
+        <a:ln w="38100" cap="flat" cmpd="sng" algn="ctr">
+          <a:solidFill>
+            <a:schemeClr val="phClr"/>
+          </a:solidFill>
+          <a:prstDash val="solid"/>
+        </a:ln>
+      </a:lnStyleLst>
+      <a:effectStyleLst>
+        <a:effectStyle>
+          <a:effectLst>
+            <a:outerShdw blurRad="40000" dist="20000" dir="5400000" rotWithShape="0">
+              <a:srgbClr val="000000">
+                <a:alpha val="38000"/>
+              </a:srgbClr>
+            </a:outerShdw>
+          </a:effectLst>
+        </a:effectStyle>
+        <a:effectStyle>
+          <a:effectLst>
+            <a:outerShdw blurRad="40000" dist="23000" dir="5400000" rotWithShape="0">
+              <a:srgbClr val="000000">
+                <a:alpha val="35000"/>
+              </a:srgbClr>
+            </a:outerShdw>
+          </a:effectLst>
+        </a:effectStyle>
+        <a:effectStyle>
+          <a:effectLst>
+            <a:outerShdw blurRad="40000" dist="23000" dir="5400000" rotWithShape="0">
+              <a:srgbClr val="000000">
+                <a:alpha val="35000"/>
+              </a:srgbClr>
+            </a:outerShdw>
+          </a:effectLst>
+          <a:scene3d>
+            <a:camera prst="orthographicFront">
+              <a:rot lat="0" lon="0" rev="0"/>
+            </a:camera>
+            <a:lightRig rig="threePt" dir="t">
+              <a:rot lat="0" lon="0" rev="1200000"/>
+            </a:lightRig>
+          </a:scene3d>
+          <a:sp3d>
+            <a:bevelT w="63500" h="25400"/>
+          </a:sp3d>
+        </a:effectStyle>
+      </a:effectStyleLst>
+      <a:bgFillStyleLst>
+        <a:solidFill>
+          <a:schemeClr val="phClr"/>
+        </a:solidFill>
+        <a:gradFill rotWithShape="1">
+          <a:gsLst>
+            <a:gs pos="0">
+              <a:schemeClr val="phClr">
+                <a:tint val="40000"/>
+                <a:satMod val="350000"/>
+              </a:schemeClr>
+            </a:gs>
+            <a:gs pos="40000">
+              <a:schemeClr val="phClr">
+                <a:tint val="45000"/>
+                <a:shade val="99000"/>
+                <a:satMod val="350000"/>
+              </a:schemeClr>
+            </a:gs>
+            <a:gs pos="100000">
+              <a:schemeClr val="phClr">
+                <a:shade val="20000"/>
+                <a:satMod val="255000"/>
+              </a:schemeClr>
+            </a:gs>
+          </a:gsLst>
+          <a:path path="circle">
+            <a:fillToRect l="50000" t="-80000" r="50000" b="180000"/>
+          </a:path>
+        </a:gradFill>
+        <a:gradFill rotWithShape="1">
+          <a:gsLst>
+            <a:gs pos="0">
+              <a:schemeClr val="phClr">
+                <a:tint val="80000"/>
+                <a:satMod val="300000"/>
+              </a:schemeClr>
+            </a:gs>
+            <a:gs pos="100000">
+              <a:schemeClr val="phClr">
+                <a:shade val="30000"/>
+                <a:satMod val="200000"/>
+              </a:schemeClr>
+            </a:gs>
+          </a:gsLst>
+          <a:path path="circle">
+            <a:fillToRect l="50000" t="50000" r="50000" b="50000"/>
+          </a:path>
+        </a:gradFill>
+      </a:bgFillStyleLst>
+    </a:fmtScheme>
+  </a:themeElements>
+  <a:objectDefaults/>
+  <a:extraClrSchemeLst/>
+</a:theme>
 </file>
--- a/doc/SingleSlide/singleSlide.pptx
+++ b/doc/SingleSlide/singleSlide.pptx
@@ -192,7 +192,7 @@
           <a:p>
             <a:fld id="{F6EBCB7C-E5A9-4998-A589-EC95213B8355}" type="datetimeFigureOut">
               <a:rPr lang="it-IT" smtClean="0"/>
-              <a:t>09/04/2014</a:t>
+              <a:t>09/04/14</a:t>
             </a:fld>
             <a:endParaRPr lang="it-IT"/>
           </a:p>
@@ -351,7 +351,7 @@
           <a:p>
             <a:fld id="{4DC2E9EE-70EB-4125-97A0-04284EFEB55E}" type="slidenum">
               <a:rPr lang="it-IT" smtClean="0"/>
-              <a:t>‹N›</a:t>
+              <a:t>‹n.›</a:t>
             </a:fld>
             <a:endParaRPr lang="it-IT"/>
           </a:p>
@@ -725,7 +725,7 @@
           <a:p>
             <a:fld id="{F3BB6EA2-B085-5C44-98FF-4089F390D846}" type="datetimeFigureOut">
               <a:rPr lang="it-IT" smtClean="0"/>
-              <a:t>09/04/2014</a:t>
+              <a:t>09/04/14</a:t>
             </a:fld>
             <a:endParaRPr lang="it-IT"/>
           </a:p>
@@ -767,7 +767,7 @@
           <a:p>
             <a:fld id="{73EEE35A-8BBF-7E45-9B50-4A275ACC89A3}" type="slidenum">
               <a:rPr lang="it-IT" smtClean="0"/>
-              <a:t>‹N›</a:t>
+              <a:t>‹n.›</a:t>
             </a:fld>
             <a:endParaRPr lang="it-IT"/>
           </a:p>
@@ -895,7 +895,7 @@
           <a:p>
             <a:fld id="{F3BB6EA2-B085-5C44-98FF-4089F390D846}" type="datetimeFigureOut">
               <a:rPr lang="it-IT" smtClean="0"/>
-              <a:t>09/04/2014</a:t>
+              <a:t>09/04/14</a:t>
             </a:fld>
             <a:endParaRPr lang="it-IT"/>
           </a:p>
@@ -937,7 +937,7 @@
           <a:p>
             <a:fld id="{73EEE35A-8BBF-7E45-9B50-4A275ACC89A3}" type="slidenum">
               <a:rPr lang="it-IT" smtClean="0"/>
-              <a:t>‹N›</a:t>
+              <a:t>‹n.›</a:t>
             </a:fld>
             <a:endParaRPr lang="it-IT"/>
           </a:p>
@@ -1075,7 +1075,7 @@
           <a:p>
             <a:fld id="{F3BB6EA2-B085-5C44-98FF-4089F390D846}" type="datetimeFigureOut">
               <a:rPr lang="it-IT" smtClean="0"/>
-              <a:t>09/04/2014</a:t>
+              <a:t>09/04/14</a:t>
             </a:fld>
             <a:endParaRPr lang="it-IT"/>
           </a:p>
@@ -1117,7 +1117,7 @@
           <a:p>
             <a:fld id="{73EEE35A-8BBF-7E45-9B50-4A275ACC89A3}" type="slidenum">
               <a:rPr lang="it-IT" smtClean="0"/>
-              <a:t>‹N›</a:t>
+              <a:t>‹n.›</a:t>
             </a:fld>
             <a:endParaRPr lang="it-IT"/>
           </a:p>
@@ -1245,7 +1245,7 @@
           <a:p>
             <a:fld id="{F3BB6EA2-B085-5C44-98FF-4089F390D846}" type="datetimeFigureOut">
               <a:rPr lang="it-IT" smtClean="0"/>
-              <a:t>09/04/2014</a:t>
+              <a:t>09/04/14</a:t>
             </a:fld>
             <a:endParaRPr lang="it-IT"/>
           </a:p>
@@ -1287,7 +1287,7 @@
           <a:p>
             <a:fld id="{73EEE35A-8BBF-7E45-9B50-4A275ACC89A3}" type="slidenum">
               <a:rPr lang="it-IT" smtClean="0"/>
-              <a:t>‹N›</a:t>
+              <a:t>‹n.›</a:t>
             </a:fld>
             <a:endParaRPr lang="it-IT"/>
           </a:p>
@@ -1491,7 +1491,7 @@
           <a:p>
             <a:fld id="{F3BB6EA2-B085-5C44-98FF-4089F390D846}" type="datetimeFigureOut">
               <a:rPr lang="it-IT" smtClean="0"/>
-              <a:t>09/04/2014</a:t>
+              <a:t>09/04/14</a:t>
             </a:fld>
             <a:endParaRPr lang="it-IT"/>
           </a:p>
@@ -1533,7 +1533,7 @@
           <a:p>
             <a:fld id="{73EEE35A-8BBF-7E45-9B50-4A275ACC89A3}" type="slidenum">
               <a:rPr lang="it-IT" smtClean="0"/>
-              <a:t>‹N›</a:t>
+              <a:t>‹n.›</a:t>
             </a:fld>
             <a:endParaRPr lang="it-IT"/>
           </a:p>
@@ -1779,7 +1779,7 @@
           <a:p>
             <a:fld id="{F3BB6EA2-B085-5C44-98FF-4089F390D846}" type="datetimeFigureOut">
               <a:rPr lang="it-IT" smtClean="0"/>
-              <a:t>09/04/2014</a:t>
+              <a:t>09/04/14</a:t>
             </a:fld>
             <a:endParaRPr lang="it-IT"/>
           </a:p>
@@ -1821,7 +1821,7 @@
           <a:p>
             <a:fld id="{73EEE35A-8BBF-7E45-9B50-4A275ACC89A3}" type="slidenum">
               <a:rPr lang="it-IT" smtClean="0"/>
-              <a:t>‹N›</a:t>
+              <a:t>‹n.›</a:t>
             </a:fld>
             <a:endParaRPr lang="it-IT"/>
           </a:p>
@@ -2201,7 +2201,7 @@
           <a:p>
             <a:fld id="{F3BB6EA2-B085-5C44-98FF-4089F390D846}" type="datetimeFigureOut">
               <a:rPr lang="it-IT" smtClean="0"/>
-              <a:t>09/04/2014</a:t>
+              <a:t>09/04/14</a:t>
             </a:fld>
             <a:endParaRPr lang="it-IT"/>
           </a:p>
@@ -2243,7 +2243,7 @@
           <a:p>
             <a:fld id="{73EEE35A-8BBF-7E45-9B50-4A275ACC89A3}" type="slidenum">
               <a:rPr lang="it-IT" smtClean="0"/>
-              <a:t>‹N›</a:t>
+              <a:t>‹n.›</a:t>
             </a:fld>
             <a:endParaRPr lang="it-IT"/>
           </a:p>
@@ -2319,7 +2319,7 @@
           <a:p>
             <a:fld id="{F3BB6EA2-B085-5C44-98FF-4089F390D846}" type="datetimeFigureOut">
               <a:rPr lang="it-IT" smtClean="0"/>
-              <a:t>09/04/2014</a:t>
+              <a:t>09/04/14</a:t>
             </a:fld>
             <a:endParaRPr lang="it-IT"/>
           </a:p>
@@ -2361,7 +2361,7 @@
           <a:p>
             <a:fld id="{73EEE35A-8BBF-7E45-9B50-4A275ACC89A3}" type="slidenum">
               <a:rPr lang="it-IT" smtClean="0"/>
-              <a:t>‹N›</a:t>
+              <a:t>‹n.›</a:t>
             </a:fld>
             <a:endParaRPr lang="it-IT"/>
           </a:p>
@@ -2414,7 +2414,7 @@
           <a:p>
             <a:fld id="{F3BB6EA2-B085-5C44-98FF-4089F390D846}" type="datetimeFigureOut">
               <a:rPr lang="it-IT" smtClean="0"/>
-              <a:t>09/04/2014</a:t>
+              <a:t>09/04/14</a:t>
             </a:fld>
             <a:endParaRPr lang="it-IT"/>
           </a:p>
@@ -2456,7 +2456,7 @@
           <a:p>
             <a:fld id="{73EEE35A-8BBF-7E45-9B50-4A275ACC89A3}" type="slidenum">
               <a:rPr lang="it-IT" smtClean="0"/>
-              <a:t>‹N›</a:t>
+              <a:t>‹n.›</a:t>
             </a:fld>
             <a:endParaRPr lang="it-IT"/>
           </a:p>
@@ -2691,7 +2691,7 @@
           <a:p>
             <a:fld id="{F3BB6EA2-B085-5C44-98FF-4089F390D846}" type="datetimeFigureOut">
               <a:rPr lang="it-IT" smtClean="0"/>
-              <a:t>09/04/2014</a:t>
+              <a:t>09/04/14</a:t>
             </a:fld>
             <a:endParaRPr lang="it-IT"/>
           </a:p>
@@ -2733,7 +2733,7 @@
           <a:p>
             <a:fld id="{73EEE35A-8BBF-7E45-9B50-4A275ACC89A3}" type="slidenum">
               <a:rPr lang="it-IT" smtClean="0"/>
-              <a:t>‹N›</a:t>
+              <a:t>‹n.›</a:t>
             </a:fld>
             <a:endParaRPr lang="it-IT"/>
           </a:p>
@@ -2944,7 +2944,7 @@
           <a:p>
             <a:fld id="{F3BB6EA2-B085-5C44-98FF-4089F390D846}" type="datetimeFigureOut">
               <a:rPr lang="it-IT" smtClean="0"/>
-              <a:t>09/04/2014</a:t>
+              <a:t>09/04/14</a:t>
             </a:fld>
             <a:endParaRPr lang="it-IT"/>
           </a:p>
@@ -2986,7 +2986,7 @@
           <a:p>
             <a:fld id="{73EEE35A-8BBF-7E45-9B50-4A275ACC89A3}" type="slidenum">
               <a:rPr lang="it-IT" smtClean="0"/>
-              <a:t>‹N›</a:t>
+              <a:t>‹n.›</a:t>
             </a:fld>
             <a:endParaRPr lang="it-IT"/>
           </a:p>
@@ -3157,7 +3157,7 @@
           <a:p>
             <a:fld id="{F3BB6EA2-B085-5C44-98FF-4089F390D846}" type="datetimeFigureOut">
               <a:rPr lang="it-IT" smtClean="0"/>
-              <a:t>09/04/2014</a:t>
+              <a:t>09/04/14</a:t>
             </a:fld>
             <a:endParaRPr lang="it-IT"/>
           </a:p>
@@ -3235,7 +3235,7 @@
           <a:p>
             <a:fld id="{73EEE35A-8BBF-7E45-9B50-4A275ACC89A3}" type="slidenum">
               <a:rPr lang="it-IT" smtClean="0"/>
-              <a:t>‹N›</a:t>
+              <a:t>‹n.›</a:t>
             </a:fld>
             <a:endParaRPr lang="it-IT"/>
           </a:p>
@@ -3726,7 +3726,7 @@
             <a:tailEnd/>
           </a:ln>
           <a:extLst>
-            <a:ext uri="{909E8E84-426E-40DD-AFC4-6F175D3DCCD1}">
+            <a:ext uri="{909E8E84-426E-40dd-AFC4-6F175D3DCCD1}">
               <a14:hiddenFill xmlns:a14="http://schemas.microsoft.com/office/drawing/2010/main">
                 <a:solidFill>
                   <a:srgbClr val="FFFFFF"/>
@@ -3994,7 +3994,7 @@
               <a:tailEnd type="triangle" w="med" len="med"/>
             </a:ln>
             <a:extLst>
-              <a:ext uri="{909E8E84-426E-40DD-AFC4-6F175D3DCCD1}">
+              <a:ext uri="{909E8E84-426E-40dd-AFC4-6F175D3DCCD1}">
                 <a14:hiddenFill xmlns:a14="http://schemas.microsoft.com/office/drawing/2010/main">
                   <a:noFill/>
                 </a14:hiddenFill>
@@ -4030,7 +4030,7 @@
               <a:tailEnd type="triangle" w="med" len="med"/>
             </a:ln>
             <a:extLst>
-              <a:ext uri="{909E8E84-426E-40DD-AFC4-6F175D3DCCD1}">
+              <a:ext uri="{909E8E84-426E-40dd-AFC4-6F175D3DCCD1}">
                 <a14:hiddenFill xmlns:a14="http://schemas.microsoft.com/office/drawing/2010/main">
                   <a:noFill/>
                 </a14:hiddenFill>
@@ -4065,7 +4065,7 @@
               <a:tailEnd type="triangle" w="med" len="med"/>
             </a:ln>
             <a:extLst>
-              <a:ext uri="{909E8E84-426E-40DD-AFC4-6F175D3DCCD1}">
+              <a:ext uri="{909E8E84-426E-40dd-AFC4-6F175D3DCCD1}">
                 <a14:hiddenFill xmlns:a14="http://schemas.microsoft.com/office/drawing/2010/main">
                   <a:noFill/>
                 </a14:hiddenFill>
@@ -4186,31 +4186,17 @@
                 <a:latin typeface="Chalkboard"/>
                 <a:cs typeface="Chalkboard"/>
               </a:rPr>
-              <a:t> of </a:t>
-            </a:r>
+              <a:t> of Bologna</a:t>
+            </a:r>
+          </a:p>
+          <a:p>
+            <a:pPr lvl="0" algn="ctr"/>
             <a:r>
               <a:rPr lang="it-IT" sz="2000" u="none" dirty="0" smtClean="0">
                 <a:latin typeface="Chalkboard"/>
                 <a:cs typeface="Chalkboard"/>
               </a:rPr>
-              <a:t>Bologna</a:t>
-            </a:r>
-          </a:p>
-          <a:p>
-            <a:pPr lvl="0" algn="ctr"/>
-            <a:r>
-              <a:rPr lang="it-IT" sz="2000" u="none" dirty="0" smtClean="0">
-                <a:latin typeface="Chalkboard"/>
-                <a:cs typeface="Chalkboard"/>
-              </a:rPr>
-              <a:t>School </a:t>
-            </a:r>
-            <a:r>
-              <a:rPr lang="it-IT" sz="2000" u="none" dirty="0" smtClean="0">
-                <a:latin typeface="Chalkboard"/>
-                <a:cs typeface="Chalkboard"/>
-              </a:rPr>
-              <a:t>of </a:t>
+              <a:t>School of </a:t>
             </a:r>
             <a:r>
               <a:rPr lang="it-IT" sz="2000" u="none" dirty="0" err="1" smtClean="0">
@@ -5113,11 +5099,7 @@
             </a:r>
             <a:r>
               <a:rPr lang="it-IT" sz="1050" u="none" dirty="0" smtClean="0"/>
-              <a:t> </a:t>
-            </a:r>
-            <a:r>
-              <a:rPr lang="it-IT" sz="1050" u="none" dirty="0" smtClean="0"/>
-              <a:t>games</a:t>
+              <a:t> games</a:t>
             </a:r>
             <a:endParaRPr lang="it-IT" sz="1050" u="none" dirty="0"/>
           </a:p>
@@ -5151,11 +5133,7 @@
             </a:r>
             <a:r>
               <a:rPr lang="it-IT" sz="1050" u="none" dirty="0" smtClean="0"/>
-              <a:t> </a:t>
-            </a:r>
-            <a:r>
-              <a:rPr lang="it-IT" sz="1050" u="none" dirty="0" smtClean="0"/>
-              <a:t>game</a:t>
+              <a:t> game</a:t>
             </a:r>
             <a:endParaRPr lang="it-IT" sz="1050" u="none" dirty="0"/>
           </a:p>
@@ -5351,7 +5329,7 @@
         </p:nvSpPr>
         <p:spPr bwMode="auto">
           <a:xfrm>
-            <a:off x="7607419" y="5612328"/>
+            <a:off x="7607419" y="6035608"/>
             <a:ext cx="254555" cy="205430"/>
           </a:xfrm>
           <a:prstGeom prst="roundRect">
@@ -5402,7 +5380,7 @@
         </p:nvSpPr>
         <p:spPr bwMode="auto">
           <a:xfrm>
-            <a:off x="7606293" y="5357472"/>
+            <a:off x="7606293" y="5780752"/>
             <a:ext cx="255681" cy="205430"/>
           </a:xfrm>
           <a:prstGeom prst="roundRect">
@@ -5457,7 +5435,7 @@
         </p:nvSpPr>
         <p:spPr>
           <a:xfrm>
-            <a:off x="7861972" y="5588085"/>
+            <a:off x="7861972" y="6011365"/>
             <a:ext cx="1246399" cy="253916"/>
           </a:xfrm>
           <a:prstGeom prst="rect">
@@ -5491,8 +5469,8 @@
         </p:nvSpPr>
         <p:spPr>
           <a:xfrm>
-            <a:off x="7861974" y="5346972"/>
-            <a:ext cx="878767" cy="253916"/>
+            <a:off x="7861974" y="5770252"/>
+            <a:ext cx="697627" cy="253916"/>
           </a:xfrm>
           <a:prstGeom prst="rect">
             <a:avLst/>
@@ -5507,7 +5485,7 @@
           <a:p>
             <a:r>
               <a:rPr lang="it-IT" sz="1050" u="none" dirty="0" smtClean="0"/>
-              <a:t>Delete game</a:t>
+              <a:t>Reset SIB</a:t>
             </a:r>
             <a:endParaRPr lang="it-IT" sz="1050" u="none" dirty="0"/>
           </a:p>
@@ -5912,6 +5890,275 @@
           </a:prstGeom>
         </p:spPr>
       </p:pic>
+      <p:sp>
+        <p:nvSpPr>
+          <p:cNvPr id="56" name="Rettangolo arrotondato 13"/>
+          <p:cNvSpPr>
+            <a:spLocks noChangeArrowheads="1"/>
+          </p:cNvSpPr>
+          <p:nvPr/>
+        </p:nvSpPr>
+        <p:spPr bwMode="auto">
+          <a:xfrm>
+            <a:off x="7594443" y="5523528"/>
+            <a:ext cx="255681" cy="205430"/>
+          </a:xfrm>
+          <a:prstGeom prst="roundRect">
+            <a:avLst>
+              <a:gd name="adj" fmla="val 16667"/>
+            </a:avLst>
+          </a:prstGeom>
+          <a:solidFill>
+            <a:srgbClr val="DBEEF4"/>
+          </a:solidFill>
+          <a:ln w="25400">
+            <a:solidFill>
+              <a:srgbClr val="215968"/>
+            </a:solidFill>
+            <a:round/>
+            <a:headEnd/>
+            <a:tailEnd/>
+          </a:ln>
+        </p:spPr>
+        <p:txBody>
+          <a:bodyPr wrap="none" lIns="17998" tIns="45715" rIns="17998" bIns="45715" anchor="ctr"/>
+          <a:lstStyle/>
+          <a:p>
+            <a:pPr algn="ctr"/>
+            <a:r>
+              <a:rPr lang="it-IT" sz="1200" u="none" dirty="0">
+                <a:solidFill>
+                  <a:srgbClr val="215968"/>
+                </a:solidFill>
+                <a:latin typeface="Calibri" charset="0"/>
+                <a:ea typeface="MS PGothic" charset="0"/>
+                <a:cs typeface="MS PGothic" charset="0"/>
+              </a:rPr>
+              <a:t>KP</a:t>
+            </a:r>
+            <a:endParaRPr lang="it-IT" sz="1200" u="none" dirty="0">
+              <a:solidFill>
+                <a:srgbClr val="4F6228"/>
+              </a:solidFill>
+              <a:latin typeface="Calibri" charset="0"/>
+              <a:ea typeface="MS PGothic" charset="0"/>
+              <a:cs typeface="MS PGothic" charset="0"/>
+            </a:endParaRPr>
+          </a:p>
+        </p:txBody>
+      </p:sp>
+      <p:sp>
+        <p:nvSpPr>
+          <p:cNvPr id="57" name="CasellaDiTesto 56"/>
+          <p:cNvSpPr txBox="1"/>
+          <p:nvPr/>
+        </p:nvSpPr>
+        <p:spPr>
+          <a:xfrm>
+            <a:off x="7850124" y="5513028"/>
+            <a:ext cx="697627" cy="253916"/>
+          </a:xfrm>
+          <a:prstGeom prst="rect">
+            <a:avLst/>
+          </a:prstGeom>
+          <a:noFill/>
+        </p:spPr>
+        <p:txBody>
+          <a:bodyPr wrap="none" rtlCol="0">
+            <a:spAutoFit/>
+          </a:bodyPr>
+          <a:lstStyle/>
+          <a:p>
+            <a:r>
+              <a:rPr lang="it-IT" sz="1050" dirty="0" err="1" smtClean="0"/>
+              <a:t>Clean</a:t>
+            </a:r>
+            <a:r>
+              <a:rPr lang="it-IT" sz="1050" dirty="0" smtClean="0"/>
+              <a:t> SIB</a:t>
+            </a:r>
+            <a:endParaRPr lang="it-IT" sz="1050" u="none" dirty="0"/>
+          </a:p>
+        </p:txBody>
+      </p:sp>
+      <p:sp>
+        <p:nvSpPr>
+          <p:cNvPr id="59" name="Rettangolo arrotondato 13"/>
+          <p:cNvSpPr>
+            <a:spLocks noChangeArrowheads="1"/>
+          </p:cNvSpPr>
+          <p:nvPr/>
+        </p:nvSpPr>
+        <p:spPr bwMode="auto">
+          <a:xfrm>
+            <a:off x="7594443" y="5007071"/>
+            <a:ext cx="255681" cy="205430"/>
+          </a:xfrm>
+          <a:prstGeom prst="roundRect">
+            <a:avLst>
+              <a:gd name="adj" fmla="val 16667"/>
+            </a:avLst>
+          </a:prstGeom>
+          <a:solidFill>
+            <a:srgbClr val="DBEEF4"/>
+          </a:solidFill>
+          <a:ln w="25400">
+            <a:solidFill>
+              <a:srgbClr val="215968"/>
+            </a:solidFill>
+            <a:round/>
+            <a:headEnd/>
+            <a:tailEnd/>
+          </a:ln>
+        </p:spPr>
+        <p:txBody>
+          <a:bodyPr wrap="none" lIns="17998" tIns="45715" rIns="17998" bIns="45715" anchor="ctr"/>
+          <a:lstStyle/>
+          <a:p>
+            <a:pPr algn="ctr"/>
+            <a:r>
+              <a:rPr lang="it-IT" sz="1200" u="none" dirty="0">
+                <a:solidFill>
+                  <a:srgbClr val="215968"/>
+                </a:solidFill>
+                <a:latin typeface="Calibri" charset="0"/>
+                <a:ea typeface="MS PGothic" charset="0"/>
+                <a:cs typeface="MS PGothic" charset="0"/>
+              </a:rPr>
+              <a:t>KP</a:t>
+            </a:r>
+            <a:endParaRPr lang="it-IT" sz="1200" u="none" dirty="0">
+              <a:solidFill>
+                <a:srgbClr val="4F6228"/>
+              </a:solidFill>
+              <a:latin typeface="Calibri" charset="0"/>
+              <a:ea typeface="MS PGothic" charset="0"/>
+              <a:cs typeface="MS PGothic" charset="0"/>
+            </a:endParaRPr>
+          </a:p>
+        </p:txBody>
+      </p:sp>
+      <p:sp>
+        <p:nvSpPr>
+          <p:cNvPr id="60" name="CasellaDiTesto 59"/>
+          <p:cNvSpPr txBox="1"/>
+          <p:nvPr/>
+        </p:nvSpPr>
+        <p:spPr>
+          <a:xfrm>
+            <a:off x="7850124" y="4996571"/>
+            <a:ext cx="878767" cy="253916"/>
+          </a:xfrm>
+          <a:prstGeom prst="rect">
+            <a:avLst/>
+          </a:prstGeom>
+          <a:noFill/>
+        </p:spPr>
+        <p:txBody>
+          <a:bodyPr wrap="none" rtlCol="0">
+            <a:spAutoFit/>
+          </a:bodyPr>
+          <a:lstStyle/>
+          <a:p>
+            <a:r>
+              <a:rPr lang="it-IT" sz="1050" u="none" dirty="0" smtClean="0"/>
+              <a:t>Delete game</a:t>
+            </a:r>
+            <a:endParaRPr lang="it-IT" sz="1050" u="none" dirty="0"/>
+          </a:p>
+        </p:txBody>
+      </p:sp>
+      <p:sp>
+        <p:nvSpPr>
+          <p:cNvPr id="61" name="Rettangolo arrotondato 13"/>
+          <p:cNvSpPr>
+            <a:spLocks noChangeArrowheads="1"/>
+          </p:cNvSpPr>
+          <p:nvPr/>
+        </p:nvSpPr>
+        <p:spPr bwMode="auto">
+          <a:xfrm>
+            <a:off x="7594443" y="5265617"/>
+            <a:ext cx="255681" cy="205430"/>
+          </a:xfrm>
+          <a:prstGeom prst="roundRect">
+            <a:avLst>
+              <a:gd name="adj" fmla="val 16667"/>
+            </a:avLst>
+          </a:prstGeom>
+          <a:solidFill>
+            <a:srgbClr val="DBEEF4"/>
+          </a:solidFill>
+          <a:ln w="25400">
+            <a:solidFill>
+              <a:srgbClr val="215968"/>
+            </a:solidFill>
+            <a:round/>
+            <a:headEnd/>
+            <a:tailEnd/>
+          </a:ln>
+        </p:spPr>
+        <p:txBody>
+          <a:bodyPr wrap="none" lIns="17998" tIns="45715" rIns="17998" bIns="45715" anchor="ctr"/>
+          <a:lstStyle/>
+          <a:p>
+            <a:pPr algn="ctr"/>
+            <a:r>
+              <a:rPr lang="it-IT" sz="1200" u="none" dirty="0">
+                <a:solidFill>
+                  <a:srgbClr val="215968"/>
+                </a:solidFill>
+                <a:latin typeface="Calibri" charset="0"/>
+                <a:ea typeface="MS PGothic" charset="0"/>
+                <a:cs typeface="MS PGothic" charset="0"/>
+              </a:rPr>
+              <a:t>KP</a:t>
+            </a:r>
+            <a:endParaRPr lang="it-IT" sz="1200" u="none" dirty="0">
+              <a:solidFill>
+                <a:srgbClr val="4F6228"/>
+              </a:solidFill>
+              <a:latin typeface="Calibri" charset="0"/>
+              <a:ea typeface="MS PGothic" charset="0"/>
+              <a:cs typeface="MS PGothic" charset="0"/>
+            </a:endParaRPr>
+          </a:p>
+        </p:txBody>
+      </p:sp>
+      <p:sp>
+        <p:nvSpPr>
+          <p:cNvPr id="62" name="CasellaDiTesto 61"/>
+          <p:cNvSpPr txBox="1"/>
+          <p:nvPr/>
+        </p:nvSpPr>
+        <p:spPr>
+          <a:xfrm>
+            <a:off x="7850124" y="5255117"/>
+            <a:ext cx="569387" cy="253916"/>
+          </a:xfrm>
+          <a:prstGeom prst="rect">
+            <a:avLst/>
+          </a:prstGeom>
+          <a:noFill/>
+        </p:spPr>
+        <p:txBody>
+          <a:bodyPr wrap="none" rtlCol="0">
+            <a:spAutoFit/>
+          </a:bodyPr>
+          <a:lstStyle/>
+          <a:p>
+            <a:r>
+              <a:rPr lang="it-IT" sz="1050" u="none" dirty="0" err="1" smtClean="0"/>
+              <a:t>Init</a:t>
+            </a:r>
+            <a:r>
+              <a:rPr lang="it-IT" sz="1050" u="none" dirty="0" smtClean="0"/>
+              <a:t> SIB</a:t>
+            </a:r>
+            <a:endParaRPr lang="it-IT" sz="1050" u="none" dirty="0"/>
+          </a:p>
+        </p:txBody>
+      </p:sp>
     </p:spTree>
     <p:extLst>
       <p:ext uri="{BB962C8B-B14F-4D97-AF65-F5344CB8AC3E}">
@@ -5925,7 +6172,7 @@
   <p:timing>
     <p:tnLst>
       <p:par>
-        <p:cTn id="1" dur="indefinite" restart="never" nodeType="tmRoot"/>
+        <p:cTn xmlns:p14="http://schemas.microsoft.com/office/powerpoint/2010/main" id="1" dur="indefinite" restart="never" nodeType="tmRoot"/>
       </p:par>
     </p:tnLst>
   </p:timing>
